--- a/Deliverable_2_Presentation.pptx
+++ b/Deliverable_2_Presentation.pptx
@@ -6,6 +6,17 @@
   </p:sldMasterIdLst>
   <p:sldIdLst>
     <p:sldId id="256" r:id="rId3"/>
+    <p:sldId id="257" r:id="rId4"/>
+    <p:sldId id="258" r:id="rId5"/>
+    <p:sldId id="259" r:id="rId6"/>
+    <p:sldId id="260" r:id="rId7"/>
+    <p:sldId id="261" r:id="rId8"/>
+    <p:sldId id="262" r:id="rId9"/>
+    <p:sldId id="263" r:id="rId10"/>
+    <p:sldId id="264" r:id="rId11"/>
+    <p:sldId id="265" r:id="rId12"/>
+    <p:sldId id="266" r:id="rId13"/>
+    <p:sldId id="267" r:id="rId14"/>
   </p:sldIdLst>
   <p:sldSz cx="10080625" cy="5670550"/>
   <p:notesSz cx="7772400" cy="10058400"/>
@@ -63,7 +74,7 @@
         <p:txBody>
           <a:bodyPr/>
           <a:p>
-            <a:fld id="{F0B05361-CB51-49B8-9D5B-22A756D94C64}" type="slidenum">
+            <a:fld id="{E312C2D2-3FF7-4970-B08C-5BEB56EB8A93}" type="slidenum">
               <a:t>&lt;#&gt;</a:t>
             </a:fld>
           </a:p>
@@ -251,7 +262,7 @@
         <p:txBody>
           <a:bodyPr/>
           <a:p>
-            <a:fld id="{D7113432-EE3C-4268-8F47-A51C2ED0A16C}" type="slidenum">
+            <a:fld id="{2DD8CDAF-0E4D-4BFB-953F-66488FFC9C09}" type="slidenum">
               <a:t>&lt;#&gt;</a:t>
             </a:fld>
           </a:p>
@@ -507,7 +518,7 @@
         <p:txBody>
           <a:bodyPr/>
           <a:p>
-            <a:fld id="{2FF67B7C-741C-4227-8575-78B1F30E1BB3}" type="slidenum">
+            <a:fld id="{6131D457-DE1E-42F3-AD58-611D5F7E6F84}" type="slidenum">
               <a:t>&lt;#&gt;</a:t>
             </a:fld>
           </a:p>
@@ -831,7 +842,7 @@
         <p:txBody>
           <a:bodyPr/>
           <a:p>
-            <a:fld id="{3D957A21-CA7C-4462-8D63-DD0B8B1F242D}" type="slidenum">
+            <a:fld id="{7125290F-5039-4055-BBAD-955501ECCA91}" type="slidenum">
               <a:t>&lt;#&gt;</a:t>
             </a:fld>
           </a:p>
@@ -988,7 +999,7 @@
         <p:txBody>
           <a:bodyPr/>
           <a:p>
-            <a:fld id="{011C3676-4CBA-4277-97A6-EA81ACAD3FFF}" type="slidenum">
+            <a:fld id="{E97B5A3A-3C77-406A-B825-33B40773D54F}" type="slidenum">
               <a:t>&lt;#&gt;</a:t>
             </a:fld>
           </a:p>
@@ -1142,7 +1153,7 @@
         <p:txBody>
           <a:bodyPr/>
           <a:p>
-            <a:fld id="{4E50AF6A-9F15-4C58-8F9B-3279481D6051}" type="slidenum">
+            <a:fld id="{9CB85E53-FDC1-4E6B-BB93-F8D501051BC0}" type="slidenum">
               <a:t>&lt;#&gt;</a:t>
             </a:fld>
           </a:p>
@@ -1330,7 +1341,7 @@
         <p:txBody>
           <a:bodyPr/>
           <a:p>
-            <a:fld id="{01DFDB20-BE56-4FD9-B388-5412B11BFBDD}" type="slidenum">
+            <a:fld id="{7AD61AD2-8E1C-492A-8C68-65315FC43B3B}" type="slidenum">
               <a:t>&lt;#&gt;</a:t>
             </a:fld>
           </a:p>
@@ -1450,7 +1461,7 @@
         <p:txBody>
           <a:bodyPr/>
           <a:p>
-            <a:fld id="{83A68DE2-B7CE-4DC9-9D9A-801EDE52611D}" type="slidenum">
+            <a:fld id="{B2FDB2A8-E9D7-467C-A1BC-8825C051A5BB}" type="slidenum">
               <a:t>&lt;#&gt;</a:t>
             </a:fld>
           </a:p>
@@ -1570,7 +1581,7 @@
         <p:txBody>
           <a:bodyPr/>
           <a:p>
-            <a:fld id="{1018EAD5-2DEB-4E98-A262-76D83DE4A04E}" type="slidenum">
+            <a:fld id="{2364DD29-F1C9-4081-90CF-4E73FDCAF145}" type="slidenum">
               <a:t>&lt;#&gt;</a:t>
             </a:fld>
           </a:p>
@@ -1792,7 +1803,7 @@
         <p:txBody>
           <a:bodyPr/>
           <a:p>
-            <a:fld id="{1D61B965-B495-48A6-BE7F-709F9AFE43D2}" type="slidenum">
+            <a:fld id="{1596119F-2892-4E06-9876-0083D0A3E0F0}" type="slidenum">
               <a:t>&lt;#&gt;</a:t>
             </a:fld>
           </a:p>
@@ -2014,7 +2025,7 @@
         <p:txBody>
           <a:bodyPr/>
           <a:p>
-            <a:fld id="{BE5A5E54-5547-4C56-B4ED-1D46C9B63D19}" type="slidenum">
+            <a:fld id="{22B6A13C-171A-4254-9373-5A6438220490}" type="slidenum">
               <a:t>&lt;#&gt;</a:t>
             </a:fld>
           </a:p>
@@ -2236,7 +2247,7 @@
         <p:txBody>
           <a:bodyPr/>
           <a:p>
-            <a:fld id="{D083D5C8-F017-41ED-AFAB-2C93B05142C2}" type="slidenum">
+            <a:fld id="{812F4578-C8E3-4853-AB76-3D595B747D86}" type="slidenum">
               <a:t>&lt;#&gt;</a:t>
             </a:fld>
           </a:p>
@@ -2320,7 +2331,13 @@
               <a:rPr b="0" lang="en-US" sz="4400" spc="-1" strike="noStrike">
                 <a:latin typeface="Arial"/>
               </a:rPr>
-              <a:t>Click to edit the title text format</a:t>
+              <a:t>Click to edit the title text </a:t>
+            </a:r>
+            <a:r>
+              <a:rPr b="0" lang="en-US" sz="4400" spc="-1" strike="noStrike">
+                <a:latin typeface="Arial"/>
+              </a:rPr>
+              <a:t>format</a:t>
             </a:r>
             <a:endParaRPr b="0" lang="en-US" sz="4400" spc="-1" strike="noStrike">
               <a:latin typeface="Arial"/>
@@ -2648,7 +2665,7 @@
             <a:pPr algn="r">
               <a:buNone/>
             </a:pPr>
-            <a:fld id="{D2607D3F-EEFF-4E1E-8969-535E80850250}" type="slidenum">
+            <a:fld id="{38B8C4DD-91CB-4803-B340-AA810F66A2ED}" type="slidenum">
               <a:rPr b="0" lang="en-US" sz="1400" spc="-1" strike="noStrike">
                 <a:latin typeface="Times New Roman"/>
               </a:rPr>
@@ -2709,8 +2726,8 @@
         </p:nvSpPr>
         <p:spPr>
           <a:xfrm>
-            <a:off x="504000" y="226080"/>
-            <a:ext cx="9071640" cy="946440"/>
+            <a:off x="529560" y="1135800"/>
+            <a:ext cx="9071640" cy="2891880"/>
           </a:xfrm>
           <a:prstGeom prst="rect">
             <a:avLst/>
@@ -2728,26 +2745,164 @@
             <a:pPr algn="ctr">
               <a:buNone/>
             </a:pPr>
-            <a:endParaRPr b="0" lang="en-US" sz="4400" spc="-1" strike="noStrike">
-              <a:latin typeface="Arial"/>
-            </a:endParaRPr>
-          </a:p>
-        </p:txBody>
-      </p:sp>
-      <p:sp>
-        <p:nvSpPr>
-          <p:cNvPr id="42" name="PlaceHolder 2"/>
-          <p:cNvSpPr>
-            <a:spLocks noGrp="1"/>
-          </p:cNvSpPr>
-          <p:nvPr>
-            <p:ph type="subTitle"/>
-          </p:nvPr>
-        </p:nvSpPr>
-        <p:spPr>
-          <a:xfrm>
-            <a:off x="504000" y="1326600"/>
-            <a:ext cx="9071640" cy="3288240"/>
+            <a:r>
+              <a:rPr b="0" lang="en-US" sz="4400" spc="-1" strike="noStrike">
+                <a:latin typeface="Arial"/>
+              </a:rPr>
+              <a:t>DTSA5509 Supervised Learning</a:t>
+            </a:r>
+            <a:br>
+              <a:rPr sz="4400"/>
+            </a:br>
+            <a:r>
+              <a:rPr b="0" lang="en-US" sz="3200" spc="-1" strike="noStrike">
+                <a:latin typeface="Arial"/>
+              </a:rPr>
+              <a:t>Final Project: Sunglasses Image Classifier</a:t>
+            </a:r>
+            <a:br>
+              <a:rPr sz="4400"/>
+            </a:br>
+            <a:br>
+              <a:rPr sz="4400"/>
+            </a:br>
+            <a:r>
+              <a:rPr b="0" lang="en-US" sz="2800" spc="-1" strike="noStrike">
+                <a:latin typeface="Arial"/>
+              </a:rPr>
+              <a:t>Matt Schurmann</a:t>
+            </a:r>
+            <a:br>
+              <a:rPr sz="2800"/>
+            </a:br>
+            <a:r>
+              <a:rPr b="0" lang="en-US" sz="2800" spc="-1" strike="noStrike">
+                <a:latin typeface="Arial"/>
+                <a:hlinkClick r:id="rId1"/>
+              </a:rPr>
+              <a:t>masc3796@colorado.edu</a:t>
+            </a:r>
+            <a:br>
+              <a:rPr sz="2800"/>
+            </a:br>
+            <a:r>
+              <a:rPr b="0" lang="en-US" sz="2800" spc="-1" strike="noStrike">
+                <a:latin typeface="Arial"/>
+              </a:rPr>
+              <a:t>Nov 23 2023</a:t>
+            </a:r>
+            <a:endParaRPr b="0" lang="en-US" sz="2800" spc="-1" strike="noStrike">
+              <a:latin typeface="Arial"/>
+            </a:endParaRPr>
+          </a:p>
+        </p:txBody>
+      </p:sp>
+      <p:pic>
+        <p:nvPicPr>
+          <p:cNvPr id="42" name="" descr=""/>
+          <p:cNvPicPr/>
+          <p:nvPr/>
+        </p:nvPicPr>
+        <p:blipFill>
+          <a:blip r:embed="rId2"/>
+          <a:stretch/>
+        </p:blipFill>
+        <p:spPr>
+          <a:xfrm>
+            <a:off x="142560" y="5086800"/>
+            <a:ext cx="2600640" cy="399600"/>
+          </a:xfrm>
+          <a:prstGeom prst="rect">
+            <a:avLst/>
+          </a:prstGeom>
+          <a:ln w="0">
+            <a:noFill/>
+          </a:ln>
+        </p:spPr>
+      </p:pic>
+      <p:sp>
+        <p:nvSpPr>
+          <p:cNvPr id="43" name=""/>
+          <p:cNvSpPr txBox="1"/>
+          <p:nvPr/>
+        </p:nvSpPr>
+        <p:spPr>
+          <a:xfrm>
+            <a:off x="8686800" y="5257800"/>
+            <a:ext cx="1317960" cy="336600"/>
+          </a:xfrm>
+          <a:prstGeom prst="rect">
+            <a:avLst/>
+          </a:prstGeom>
+          <a:noFill/>
+          <a:ln w="0">
+            <a:noFill/>
+          </a:ln>
+        </p:spPr>
+        <p:txBody>
+          <a:bodyPr lIns="90000" rIns="90000" tIns="45000" bIns="45000" anchor="t">
+            <a:noAutofit/>
+          </a:bodyPr>
+          <a:p>
+            <a:pPr algn="r">
+              <a:buNone/>
+            </a:pPr>
+            <a:fld id="{E2B937BE-3B40-4325-8C0B-F9F7AB349A15}" type="slidenum">
+              <a:rPr b="0" lang="en-US" sz="1600" spc="-1" strike="noStrike">
+                <a:latin typeface="Times New Roman"/>
+              </a:rPr>
+              <a:t>&lt;number&gt;</a:t>
+            </a:fld>
+            <a:endParaRPr b="0" lang="en-US" sz="1600" spc="-1" strike="noStrike">
+              <a:latin typeface="Times New Roman"/>
+            </a:endParaRPr>
+          </a:p>
+        </p:txBody>
+      </p:sp>
+    </p:spTree>
+  </p:cSld>
+  <mc:AlternateContent>
+    <mc:Choice Requires="p14">
+      <p:transition spd="slow" p14:dur="2000"/>
+    </mc:Choice>
+    <mc:Fallback>
+      <p:transition spd="slow"/>
+    </mc:Fallback>
+  </mc:AlternateContent>
+</p:sld>
+</file>
+
+<file path=ppt/slides/slide10.xml><?xml version="1.0" encoding="utf-8"?>
+<p:sld xmlns:a="http://schemas.openxmlformats.org/drawingml/2006/main" xmlns:p="http://schemas.openxmlformats.org/presentationml/2006/main" xmlns:r="http://schemas.openxmlformats.org/officeDocument/2006/relationships" xmlns:p14="http://schemas.microsoft.com/office/powerpoint/2010/main" xmlns:p15="http://schemas.microsoft.com/office/powerpoint/2012/main" xmlns:mc="http://schemas.openxmlformats.org/markup-compatibility/2006">
+  <p:cSld>
+    <p:spTree>
+      <p:nvGrpSpPr>
+        <p:cNvPr id="1" name=""/>
+        <p:cNvGrpSpPr/>
+        <p:nvPr/>
+      </p:nvGrpSpPr>
+      <p:grpSpPr>
+        <a:xfrm>
+          <a:off x="0" y="0"/>
+          <a:ext cx="0" cy="0"/>
+          <a:chOff x="0" y="0"/>
+          <a:chExt cx="0" cy="0"/>
+        </a:xfrm>
+      </p:grpSpPr>
+      <p:sp>
+        <p:nvSpPr>
+          <p:cNvPr id="115" name="PlaceHolder 1"/>
+          <p:cNvSpPr>
+            <a:spLocks noGrp="1"/>
+          </p:cNvSpPr>
+          <p:nvPr>
+            <p:ph type="title"/>
+          </p:nvPr>
+        </p:nvSpPr>
+        <p:spPr>
+          <a:xfrm>
+            <a:off x="457200" y="228600"/>
+            <a:ext cx="9071640" cy="946440"/>
           </a:xfrm>
           <a:prstGeom prst="rect">
             <a:avLst/>
@@ -2765,7 +2920,3839 @@
             <a:pPr algn="ctr">
               <a:buNone/>
             </a:pPr>
-            <a:endParaRPr b="0" lang="en-US" sz="3200" spc="-1" strike="noStrike">
+            <a:r>
+              <a:rPr b="0" lang="en-US" sz="4000" spc="-1" strike="noStrike">
+                <a:latin typeface="Arial"/>
+              </a:rPr>
+              <a:t>Examining False Positives/Negatives</a:t>
+            </a:r>
+            <a:endParaRPr b="0" lang="en-US" sz="4000" spc="-1" strike="noStrike">
+              <a:latin typeface="Arial"/>
+            </a:endParaRPr>
+          </a:p>
+        </p:txBody>
+      </p:sp>
+      <p:pic>
+        <p:nvPicPr>
+          <p:cNvPr id="116" name="" descr=""/>
+          <p:cNvPicPr/>
+          <p:nvPr/>
+        </p:nvPicPr>
+        <p:blipFill>
+          <a:blip r:embed="rId1"/>
+          <a:stretch/>
+        </p:blipFill>
+        <p:spPr>
+          <a:xfrm>
+            <a:off x="142560" y="5086800"/>
+            <a:ext cx="2600640" cy="399600"/>
+          </a:xfrm>
+          <a:prstGeom prst="rect">
+            <a:avLst/>
+          </a:prstGeom>
+          <a:ln w="0">
+            <a:noFill/>
+          </a:ln>
+        </p:spPr>
+      </p:pic>
+      <p:sp>
+        <p:nvSpPr>
+          <p:cNvPr id="117" name=""/>
+          <p:cNvSpPr txBox="1"/>
+          <p:nvPr/>
+        </p:nvSpPr>
+        <p:spPr>
+          <a:xfrm>
+            <a:off x="8686800" y="5257800"/>
+            <a:ext cx="1317960" cy="336600"/>
+          </a:xfrm>
+          <a:prstGeom prst="rect">
+            <a:avLst/>
+          </a:prstGeom>
+          <a:noFill/>
+          <a:ln w="0">
+            <a:noFill/>
+          </a:ln>
+        </p:spPr>
+        <p:txBody>
+          <a:bodyPr lIns="90000" rIns="90000" tIns="45000" bIns="45000" anchor="t">
+            <a:noAutofit/>
+          </a:bodyPr>
+          <a:p>
+            <a:pPr algn="r">
+              <a:buNone/>
+            </a:pPr>
+            <a:fld id="{75724EB6-5F12-492C-A3BE-A824E5508DD7}" type="slidenum">
+              <a:rPr b="0" lang="en-US" sz="1600" spc="-1" strike="noStrike">
+                <a:latin typeface="Times New Roman"/>
+              </a:rPr>
+              <a:t>&lt;number&gt;</a:t>
+            </a:fld>
+            <a:endParaRPr b="0" lang="en-US" sz="1600" spc="-1" strike="noStrike">
+              <a:latin typeface="Times New Roman"/>
+            </a:endParaRPr>
+          </a:p>
+        </p:txBody>
+      </p:sp>
+      <p:pic>
+        <p:nvPicPr>
+          <p:cNvPr id="118" name="" descr=""/>
+          <p:cNvPicPr/>
+          <p:nvPr/>
+        </p:nvPicPr>
+        <p:blipFill>
+          <a:blip r:embed="rId2"/>
+          <a:stretch/>
+        </p:blipFill>
+        <p:spPr>
+          <a:xfrm>
+            <a:off x="228600" y="2665440"/>
+            <a:ext cx="2257200" cy="2086560"/>
+          </a:xfrm>
+          <a:prstGeom prst="rect">
+            <a:avLst/>
+          </a:prstGeom>
+          <a:ln w="0">
+            <a:noFill/>
+          </a:ln>
+        </p:spPr>
+      </p:pic>
+      <p:pic>
+        <p:nvPicPr>
+          <p:cNvPr id="119" name="" descr=""/>
+          <p:cNvPicPr/>
+          <p:nvPr/>
+        </p:nvPicPr>
+        <p:blipFill>
+          <a:blip r:embed="rId3"/>
+          <a:stretch/>
+        </p:blipFill>
+        <p:spPr>
+          <a:xfrm>
+            <a:off x="2514600" y="2665440"/>
+            <a:ext cx="2296800" cy="2086560"/>
+          </a:xfrm>
+          <a:prstGeom prst="rect">
+            <a:avLst/>
+          </a:prstGeom>
+          <a:ln w="0">
+            <a:noFill/>
+          </a:ln>
+        </p:spPr>
+      </p:pic>
+      <p:pic>
+        <p:nvPicPr>
+          <p:cNvPr id="120" name="" descr=""/>
+          <p:cNvPicPr/>
+          <p:nvPr/>
+        </p:nvPicPr>
+        <p:blipFill>
+          <a:blip r:embed="rId4"/>
+          <a:stretch/>
+        </p:blipFill>
+        <p:spPr>
+          <a:xfrm>
+            <a:off x="5222520" y="2694600"/>
+            <a:ext cx="2321280" cy="2081160"/>
+          </a:xfrm>
+          <a:prstGeom prst="rect">
+            <a:avLst/>
+          </a:prstGeom>
+          <a:ln w="0">
+            <a:noFill/>
+          </a:ln>
+        </p:spPr>
+      </p:pic>
+      <p:pic>
+        <p:nvPicPr>
+          <p:cNvPr id="121" name="" descr=""/>
+          <p:cNvPicPr/>
+          <p:nvPr/>
+        </p:nvPicPr>
+        <p:blipFill>
+          <a:blip r:embed="rId5"/>
+          <a:stretch/>
+        </p:blipFill>
+        <p:spPr>
+          <a:xfrm>
+            <a:off x="7730640" y="2694600"/>
+            <a:ext cx="2327760" cy="2057400"/>
+          </a:xfrm>
+          <a:prstGeom prst="rect">
+            <a:avLst/>
+          </a:prstGeom>
+          <a:ln w="0">
+            <a:noFill/>
+          </a:ln>
+        </p:spPr>
+      </p:pic>
+      <p:sp>
+        <p:nvSpPr>
+          <p:cNvPr id="122" name=""/>
+          <p:cNvSpPr txBox="1"/>
+          <p:nvPr/>
+        </p:nvSpPr>
+        <p:spPr>
+          <a:xfrm>
+            <a:off x="685800" y="1482480"/>
+            <a:ext cx="3657600" cy="346320"/>
+          </a:xfrm>
+          <a:prstGeom prst="rect">
+            <a:avLst/>
+          </a:prstGeom>
+          <a:noFill/>
+          <a:ln w="0">
+            <a:noFill/>
+          </a:ln>
+        </p:spPr>
+        <p:txBody>
+          <a:bodyPr lIns="90000" rIns="90000" tIns="45000" bIns="45000" anchor="t">
+            <a:noAutofit/>
+          </a:bodyPr>
+          <a:p>
+            <a:pPr algn="ctr">
+              <a:buNone/>
+            </a:pPr>
+            <a:r>
+              <a:rPr b="1" lang="en-US" sz="1800" spc="-1" strike="noStrike">
+                <a:latin typeface="Arial"/>
+              </a:rPr>
+              <a:t>False Positives</a:t>
+            </a:r>
+            <a:endParaRPr b="1" lang="en-US" sz="1800" spc="-1" strike="noStrike">
+              <a:latin typeface="Arial"/>
+            </a:endParaRPr>
+          </a:p>
+        </p:txBody>
+      </p:sp>
+      <p:sp>
+        <p:nvSpPr>
+          <p:cNvPr id="123" name=""/>
+          <p:cNvSpPr txBox="1"/>
+          <p:nvPr/>
+        </p:nvSpPr>
+        <p:spPr>
+          <a:xfrm>
+            <a:off x="5715000" y="1482480"/>
+            <a:ext cx="3657600" cy="346320"/>
+          </a:xfrm>
+          <a:prstGeom prst="rect">
+            <a:avLst/>
+          </a:prstGeom>
+          <a:noFill/>
+          <a:ln w="0">
+            <a:noFill/>
+          </a:ln>
+        </p:spPr>
+        <p:txBody>
+          <a:bodyPr lIns="90000" rIns="90000" tIns="45000" bIns="45000" anchor="t">
+            <a:noAutofit/>
+          </a:bodyPr>
+          <a:p>
+            <a:pPr algn="ctr">
+              <a:buNone/>
+            </a:pPr>
+            <a:r>
+              <a:rPr b="1" lang="en-US" sz="1800" spc="-1" strike="noStrike">
+                <a:latin typeface="Arial"/>
+              </a:rPr>
+              <a:t>False Negatives</a:t>
+            </a:r>
+            <a:endParaRPr b="1" lang="en-US" sz="1800" spc="-1" strike="noStrike">
+              <a:latin typeface="Arial"/>
+            </a:endParaRPr>
+          </a:p>
+        </p:txBody>
+      </p:sp>
+      <p:sp>
+        <p:nvSpPr>
+          <p:cNvPr id="124" name=""/>
+          <p:cNvSpPr txBox="1"/>
+          <p:nvPr/>
+        </p:nvSpPr>
+        <p:spPr>
+          <a:xfrm>
+            <a:off x="685800" y="1946520"/>
+            <a:ext cx="3657600" cy="513720"/>
+          </a:xfrm>
+          <a:prstGeom prst="rect">
+            <a:avLst/>
+          </a:prstGeom>
+          <a:noFill/>
+          <a:ln w="0">
+            <a:noFill/>
+          </a:ln>
+        </p:spPr>
+        <p:txBody>
+          <a:bodyPr lIns="90000" rIns="90000" tIns="45000" bIns="45000" anchor="t">
+            <a:noAutofit/>
+          </a:bodyPr>
+          <a:p>
+            <a:pPr algn="ctr">
+              <a:buNone/>
+            </a:pPr>
+            <a:r>
+              <a:rPr b="0" lang="en-US" sz="1500" spc="-1" strike="noStrike">
+                <a:latin typeface="Arial"/>
+              </a:rPr>
+              <a:t>Several false-positives wearing glasses (but not sunglasses)</a:t>
+            </a:r>
+            <a:endParaRPr b="0" lang="en-US" sz="1500" spc="-1" strike="noStrike">
+              <a:latin typeface="Arial"/>
+            </a:endParaRPr>
+          </a:p>
+        </p:txBody>
+      </p:sp>
+      <p:sp>
+        <p:nvSpPr>
+          <p:cNvPr id="125" name=""/>
+          <p:cNvSpPr txBox="1"/>
+          <p:nvPr/>
+        </p:nvSpPr>
+        <p:spPr>
+          <a:xfrm>
+            <a:off x="5715000" y="1828800"/>
+            <a:ext cx="3657600" cy="513720"/>
+          </a:xfrm>
+          <a:prstGeom prst="rect">
+            <a:avLst/>
+          </a:prstGeom>
+          <a:noFill/>
+          <a:ln w="0">
+            <a:noFill/>
+          </a:ln>
+        </p:spPr>
+        <p:txBody>
+          <a:bodyPr lIns="90000" rIns="90000" tIns="45000" bIns="45000" anchor="t">
+            <a:noAutofit/>
+          </a:bodyPr>
+          <a:p>
+            <a:pPr algn="ctr">
+              <a:buNone/>
+            </a:pPr>
+            <a:r>
+              <a:rPr b="0" lang="en-US" sz="1500" spc="-1" strike="noStrike">
+                <a:latin typeface="Arial"/>
+              </a:rPr>
+              <a:t>Several examples with reflections in glasses, and non-forward head position</a:t>
+            </a:r>
+            <a:endParaRPr b="0" lang="en-US" sz="1500" spc="-1" strike="noStrike">
+              <a:latin typeface="Arial"/>
+            </a:endParaRPr>
+          </a:p>
+        </p:txBody>
+      </p:sp>
+      <p:pic>
+        <p:nvPicPr>
+          <p:cNvPr id="126" name="" descr=""/>
+          <p:cNvPicPr/>
+          <p:nvPr/>
+        </p:nvPicPr>
+        <p:blipFill>
+          <a:blip r:embed="rId6"/>
+          <a:stretch/>
+        </p:blipFill>
+        <p:spPr>
+          <a:xfrm>
+            <a:off x="1920960" y="4206960"/>
+            <a:ext cx="437040" cy="437040"/>
+          </a:xfrm>
+          <a:prstGeom prst="rect">
+            <a:avLst/>
+          </a:prstGeom>
+          <a:ln w="0">
+            <a:noFill/>
+          </a:ln>
+        </p:spPr>
+      </p:pic>
+      <p:pic>
+        <p:nvPicPr>
+          <p:cNvPr id="127" name="" descr=""/>
+          <p:cNvPicPr/>
+          <p:nvPr/>
+        </p:nvPicPr>
+        <p:blipFill>
+          <a:blip r:embed="rId7"/>
+          <a:stretch/>
+        </p:blipFill>
+        <p:spPr>
+          <a:xfrm>
+            <a:off x="4343400" y="4343400"/>
+            <a:ext cx="437040" cy="437040"/>
+          </a:xfrm>
+          <a:prstGeom prst="rect">
+            <a:avLst/>
+          </a:prstGeom>
+          <a:ln w="0">
+            <a:noFill/>
+          </a:ln>
+        </p:spPr>
+      </p:pic>
+      <p:pic>
+        <p:nvPicPr>
+          <p:cNvPr id="128" name="" descr=""/>
+          <p:cNvPicPr/>
+          <p:nvPr/>
+        </p:nvPicPr>
+        <p:blipFill>
+          <a:blip r:embed="rId8"/>
+          <a:stretch/>
+        </p:blipFill>
+        <p:spPr>
+          <a:xfrm>
+            <a:off x="7106760" y="4343400"/>
+            <a:ext cx="437040" cy="437040"/>
+          </a:xfrm>
+          <a:prstGeom prst="rect">
+            <a:avLst/>
+          </a:prstGeom>
+          <a:ln w="0">
+            <a:noFill/>
+          </a:ln>
+        </p:spPr>
+      </p:pic>
+      <p:pic>
+        <p:nvPicPr>
+          <p:cNvPr id="129" name="" descr=""/>
+          <p:cNvPicPr/>
+          <p:nvPr/>
+        </p:nvPicPr>
+        <p:blipFill>
+          <a:blip r:embed="rId9"/>
+          <a:stretch/>
+        </p:blipFill>
+        <p:spPr>
+          <a:xfrm>
+            <a:off x="9529200" y="4242960"/>
+            <a:ext cx="437040" cy="437040"/>
+          </a:xfrm>
+          <a:prstGeom prst="rect">
+            <a:avLst/>
+          </a:prstGeom>
+          <a:ln w="0">
+            <a:noFill/>
+          </a:ln>
+        </p:spPr>
+      </p:pic>
+    </p:spTree>
+  </p:cSld>
+  <mc:AlternateContent>
+    <mc:Choice Requires="p14">
+      <p:transition spd="slow" p14:dur="2000"/>
+    </mc:Choice>
+    <mc:Fallback>
+      <p:transition spd="slow"/>
+    </mc:Fallback>
+  </mc:AlternateContent>
+</p:sld>
+</file>
+
+<file path=ppt/slides/slide11.xml><?xml version="1.0" encoding="utf-8"?>
+<p:sld xmlns:a="http://schemas.openxmlformats.org/drawingml/2006/main" xmlns:p="http://schemas.openxmlformats.org/presentationml/2006/main" xmlns:r="http://schemas.openxmlformats.org/officeDocument/2006/relationships" xmlns:p14="http://schemas.microsoft.com/office/powerpoint/2010/main" xmlns:p15="http://schemas.microsoft.com/office/powerpoint/2012/main" xmlns:mc="http://schemas.openxmlformats.org/markup-compatibility/2006">
+  <p:cSld>
+    <p:spTree>
+      <p:nvGrpSpPr>
+        <p:cNvPr id="1" name=""/>
+        <p:cNvGrpSpPr/>
+        <p:nvPr/>
+      </p:nvGrpSpPr>
+      <p:grpSpPr>
+        <a:xfrm>
+          <a:off x="0" y="0"/>
+          <a:ext cx="0" cy="0"/>
+          <a:chOff x="0" y="0"/>
+          <a:chExt cx="0" cy="0"/>
+        </a:xfrm>
+      </p:grpSpPr>
+      <p:sp>
+        <p:nvSpPr>
+          <p:cNvPr id="130" name="PlaceHolder 1"/>
+          <p:cNvSpPr>
+            <a:spLocks noGrp="1"/>
+          </p:cNvSpPr>
+          <p:nvPr>
+            <p:ph type="title"/>
+          </p:nvPr>
+        </p:nvSpPr>
+        <p:spPr>
+          <a:xfrm>
+            <a:off x="457200" y="228600"/>
+            <a:ext cx="9071640" cy="946440"/>
+          </a:xfrm>
+          <a:prstGeom prst="rect">
+            <a:avLst/>
+          </a:prstGeom>
+          <a:noFill/>
+          <a:ln w="0">
+            <a:noFill/>
+          </a:ln>
+        </p:spPr>
+        <p:txBody>
+          <a:bodyPr lIns="0" rIns="0" tIns="0" bIns="0" anchor="ctr">
+            <a:noAutofit/>
+          </a:bodyPr>
+          <a:p>
+            <a:pPr algn="ctr">
+              <a:buNone/>
+            </a:pPr>
+            <a:r>
+              <a:rPr b="0" lang="en-US" sz="4000" spc="-1" strike="noStrike">
+                <a:latin typeface="Arial"/>
+              </a:rPr>
+              <a:t>Conclusions and Discussion</a:t>
+            </a:r>
+            <a:endParaRPr b="0" lang="en-US" sz="4000" spc="-1" strike="noStrike">
+              <a:latin typeface="Arial"/>
+            </a:endParaRPr>
+          </a:p>
+        </p:txBody>
+      </p:sp>
+      <p:pic>
+        <p:nvPicPr>
+          <p:cNvPr id="131" name="" descr=""/>
+          <p:cNvPicPr/>
+          <p:nvPr/>
+        </p:nvPicPr>
+        <p:blipFill>
+          <a:blip r:embed="rId1"/>
+          <a:stretch/>
+        </p:blipFill>
+        <p:spPr>
+          <a:xfrm>
+            <a:off x="142560" y="5086800"/>
+            <a:ext cx="2600640" cy="399600"/>
+          </a:xfrm>
+          <a:prstGeom prst="rect">
+            <a:avLst/>
+          </a:prstGeom>
+          <a:ln w="0">
+            <a:noFill/>
+          </a:ln>
+        </p:spPr>
+      </p:pic>
+      <p:sp>
+        <p:nvSpPr>
+          <p:cNvPr id="132" name=""/>
+          <p:cNvSpPr txBox="1"/>
+          <p:nvPr/>
+        </p:nvSpPr>
+        <p:spPr>
+          <a:xfrm>
+            <a:off x="8686800" y="5257800"/>
+            <a:ext cx="1317960" cy="336600"/>
+          </a:xfrm>
+          <a:prstGeom prst="rect">
+            <a:avLst/>
+          </a:prstGeom>
+          <a:noFill/>
+          <a:ln w="0">
+            <a:noFill/>
+          </a:ln>
+        </p:spPr>
+        <p:txBody>
+          <a:bodyPr lIns="90000" rIns="90000" tIns="45000" bIns="45000" anchor="t">
+            <a:noAutofit/>
+          </a:bodyPr>
+          <a:p>
+            <a:pPr algn="r">
+              <a:buNone/>
+            </a:pPr>
+            <a:fld id="{016D524A-CD3D-46E2-AA4D-D7EA17B6FF2B}" type="slidenum">
+              <a:rPr b="0" lang="en-US" sz="1600" spc="-1" strike="noStrike">
+                <a:latin typeface="Times New Roman"/>
+              </a:rPr>
+              <a:t>&lt;number&gt;</a:t>
+            </a:fld>
+            <a:endParaRPr b="0" lang="en-US" sz="1600" spc="-1" strike="noStrike">
+              <a:latin typeface="Times New Roman"/>
+            </a:endParaRPr>
+          </a:p>
+        </p:txBody>
+      </p:sp>
+      <p:sp>
+        <p:nvSpPr>
+          <p:cNvPr id="133" name=""/>
+          <p:cNvSpPr txBox="1"/>
+          <p:nvPr/>
+        </p:nvSpPr>
+        <p:spPr>
+          <a:xfrm>
+            <a:off x="457200" y="1253880"/>
+            <a:ext cx="3657600" cy="346320"/>
+          </a:xfrm>
+          <a:prstGeom prst="rect">
+            <a:avLst/>
+          </a:prstGeom>
+          <a:noFill/>
+          <a:ln w="0">
+            <a:noFill/>
+          </a:ln>
+        </p:spPr>
+        <p:txBody>
+          <a:bodyPr lIns="90000" rIns="90000" tIns="45000" bIns="45000" anchor="t">
+            <a:noAutofit/>
+          </a:bodyPr>
+          <a:p>
+            <a:r>
+              <a:rPr b="1" lang="en-US" sz="1800" spc="-1" strike="noStrike">
+                <a:latin typeface="Arial"/>
+              </a:rPr>
+              <a:t>Learning Outcomes</a:t>
+            </a:r>
+            <a:endParaRPr b="1" lang="en-US" sz="1800" spc="-1" strike="noStrike">
+              <a:latin typeface="Arial"/>
+            </a:endParaRPr>
+          </a:p>
+        </p:txBody>
+      </p:sp>
+      <p:sp>
+        <p:nvSpPr>
+          <p:cNvPr id="134" name=""/>
+          <p:cNvSpPr txBox="1"/>
+          <p:nvPr/>
+        </p:nvSpPr>
+        <p:spPr>
+          <a:xfrm>
+            <a:off x="685800" y="1711080"/>
+            <a:ext cx="6629400" cy="858240"/>
+          </a:xfrm>
+          <a:prstGeom prst="rect">
+            <a:avLst/>
+          </a:prstGeom>
+          <a:noFill/>
+          <a:ln w="0">
+            <a:noFill/>
+          </a:ln>
+        </p:spPr>
+        <p:txBody>
+          <a:bodyPr lIns="90000" rIns="90000" tIns="45000" bIns="45000" anchor="t">
+            <a:noAutofit/>
+          </a:bodyPr>
+          <a:p>
+            <a:pPr marL="216000" indent="-216000">
+              <a:buClr>
+                <a:srgbClr val="000000"/>
+              </a:buClr>
+              <a:buSzPct val="45000"/>
+              <a:buFont typeface="Wingdings" charset="2"/>
+              <a:buChar char=""/>
+            </a:pPr>
+            <a:r>
+              <a:rPr b="0" lang="en-US" sz="1800" spc="-1" strike="noStrike">
+                <a:latin typeface="Arial"/>
+              </a:rPr>
+              <a:t>Hands-on, real-World use of Sklearn classification models</a:t>
+            </a:r>
+            <a:endParaRPr b="0" lang="en-US" sz="1800" spc="-1" strike="noStrike">
+              <a:latin typeface="Arial"/>
+            </a:endParaRPr>
+          </a:p>
+          <a:p>
+            <a:pPr marL="216000" indent="-216000">
+              <a:buClr>
+                <a:srgbClr val="000000"/>
+              </a:buClr>
+              <a:buSzPct val="45000"/>
+              <a:buFont typeface="Wingdings" charset="2"/>
+              <a:buChar char=""/>
+            </a:pPr>
+            <a:r>
+              <a:rPr b="0" lang="en-US" sz="1800" spc="-1" strike="noStrike">
+                <a:latin typeface="Arial"/>
+              </a:rPr>
+              <a:t>Challenges of image classification (high dimensionality data) </a:t>
+            </a:r>
+            <a:endParaRPr b="0" lang="en-US" sz="1800" spc="-1" strike="noStrike">
+              <a:latin typeface="Arial"/>
+            </a:endParaRPr>
+          </a:p>
+          <a:p>
+            <a:pPr marL="216000" indent="-216000">
+              <a:buClr>
+                <a:srgbClr val="000000"/>
+              </a:buClr>
+              <a:buSzPct val="45000"/>
+              <a:buFont typeface="Wingdings" charset="2"/>
+              <a:buChar char=""/>
+            </a:pPr>
+            <a:r>
+              <a:rPr b="0" lang="en-US" sz="1800" spc="-1" strike="noStrike">
+                <a:latin typeface="Arial"/>
+              </a:rPr>
+              <a:t>Challenges of data labeling and feature identification</a:t>
+            </a:r>
+            <a:endParaRPr b="0" lang="en-US" sz="1800" spc="-1" strike="noStrike">
+              <a:latin typeface="Arial"/>
+            </a:endParaRPr>
+          </a:p>
+        </p:txBody>
+      </p:sp>
+      <p:sp>
+        <p:nvSpPr>
+          <p:cNvPr id="135" name=""/>
+          <p:cNvSpPr txBox="1"/>
+          <p:nvPr/>
+        </p:nvSpPr>
+        <p:spPr>
+          <a:xfrm>
+            <a:off x="457200" y="2743200"/>
+            <a:ext cx="3657600" cy="346320"/>
+          </a:xfrm>
+          <a:prstGeom prst="rect">
+            <a:avLst/>
+          </a:prstGeom>
+          <a:noFill/>
+          <a:ln w="0">
+            <a:noFill/>
+          </a:ln>
+        </p:spPr>
+        <p:txBody>
+          <a:bodyPr lIns="90000" rIns="90000" tIns="45000" bIns="45000" anchor="t">
+            <a:noAutofit/>
+          </a:bodyPr>
+          <a:p>
+            <a:r>
+              <a:rPr b="1" lang="en-US" sz="1800" spc="-1" strike="noStrike">
+                <a:latin typeface="Arial"/>
+              </a:rPr>
+              <a:t>Suggestions for Improvement</a:t>
+            </a:r>
+            <a:endParaRPr b="1" lang="en-US" sz="1800" spc="-1" strike="noStrike">
+              <a:latin typeface="Arial"/>
+            </a:endParaRPr>
+          </a:p>
+        </p:txBody>
+      </p:sp>
+      <p:sp>
+        <p:nvSpPr>
+          <p:cNvPr id="136" name=""/>
+          <p:cNvSpPr txBox="1"/>
+          <p:nvPr/>
+        </p:nvSpPr>
+        <p:spPr>
+          <a:xfrm>
+            <a:off x="510120" y="3168720"/>
+            <a:ext cx="9394200" cy="1626120"/>
+          </a:xfrm>
+          <a:prstGeom prst="rect">
+            <a:avLst/>
+          </a:prstGeom>
+          <a:noFill/>
+          <a:ln w="0">
+            <a:noFill/>
+          </a:ln>
+        </p:spPr>
+        <p:txBody>
+          <a:bodyPr lIns="90000" rIns="90000" tIns="45000" bIns="45000" anchor="t">
+            <a:noAutofit/>
+          </a:bodyPr>
+          <a:p>
+            <a:pPr marL="216000" indent="-216000">
+              <a:buClr>
+                <a:srgbClr val="000000"/>
+              </a:buClr>
+              <a:buSzPct val="45000"/>
+              <a:buFont typeface="Wingdings" charset="2"/>
+              <a:buChar char=""/>
+            </a:pPr>
+            <a:r>
+              <a:rPr b="0" lang="en-US" sz="1800" spc="-1" strike="noStrike">
+                <a:latin typeface="Arial"/>
+              </a:rPr>
+              <a:t>More efficient models than SVM, trade-off with accuracy if needed</a:t>
+            </a:r>
+            <a:endParaRPr b="0" lang="en-US" sz="1800" spc="-1" strike="noStrike">
+              <a:latin typeface="Arial"/>
+            </a:endParaRPr>
+          </a:p>
+          <a:p>
+            <a:pPr marL="216000" indent="-216000">
+              <a:buClr>
+                <a:srgbClr val="000000"/>
+              </a:buClr>
+              <a:buSzPct val="45000"/>
+              <a:buFont typeface="Wingdings" charset="2"/>
+              <a:buChar char=""/>
+            </a:pPr>
+            <a:r>
+              <a:rPr b="0" lang="en-US" sz="1800" spc="-1" strike="noStrike">
+                <a:latin typeface="Arial"/>
+              </a:rPr>
+              <a:t>Use a larger training data set</a:t>
+            </a:r>
+            <a:endParaRPr b="0" lang="en-US" sz="1800" spc="-1" strike="noStrike">
+              <a:latin typeface="Arial"/>
+            </a:endParaRPr>
+          </a:p>
+          <a:p>
+            <a:pPr marL="216000" indent="-216000">
+              <a:buClr>
+                <a:srgbClr val="000000"/>
+              </a:buClr>
+              <a:buSzPct val="45000"/>
+              <a:buFont typeface="Wingdings" charset="2"/>
+              <a:buChar char=""/>
+            </a:pPr>
+            <a:r>
+              <a:rPr b="0" lang="en-US" sz="1800" spc="-1" strike="noStrike">
+                <a:latin typeface="Arial"/>
+              </a:rPr>
+              <a:t>Investigate lower resolution images to improve speed</a:t>
+            </a:r>
+            <a:endParaRPr b="0" lang="en-US" sz="1800" spc="-1" strike="noStrike">
+              <a:latin typeface="Arial"/>
+            </a:endParaRPr>
+          </a:p>
+          <a:p>
+            <a:pPr marL="216000" indent="-216000">
+              <a:buClr>
+                <a:srgbClr val="000000"/>
+              </a:buClr>
+              <a:buSzPct val="45000"/>
+              <a:buFont typeface="Wingdings" charset="2"/>
+              <a:buChar char=""/>
+            </a:pPr>
+            <a:r>
+              <a:rPr b="0" lang="en-US" sz="1800" spc="-1" strike="noStrike">
+                <a:latin typeface="Arial"/>
+              </a:rPr>
+              <a:t>Perform a more exhaustive parameter grid-search on a higher performance computer</a:t>
+            </a:r>
+            <a:endParaRPr b="0" lang="en-US" sz="1800" spc="-1" strike="noStrike">
+              <a:latin typeface="Arial"/>
+            </a:endParaRPr>
+          </a:p>
+          <a:p>
+            <a:pPr marL="216000" indent="-216000">
+              <a:buClr>
+                <a:srgbClr val="000000"/>
+              </a:buClr>
+              <a:buSzPct val="45000"/>
+              <a:buFont typeface="Wingdings" charset="2"/>
+              <a:buChar char=""/>
+            </a:pPr>
+            <a:r>
+              <a:rPr b="0" lang="en-US" sz="1800" spc="-1" strike="noStrike">
+                <a:latin typeface="Arial"/>
+              </a:rPr>
+              <a:t>Include color photographs - presumably color would differentiate the sunglasses more vs. dark spots in grey-scale images.</a:t>
+            </a:r>
+            <a:endParaRPr b="0" lang="en-US" sz="1800" spc="-1" strike="noStrike">
+              <a:latin typeface="Arial"/>
+            </a:endParaRPr>
+          </a:p>
+        </p:txBody>
+      </p:sp>
+    </p:spTree>
+  </p:cSld>
+  <mc:AlternateContent>
+    <mc:Choice Requires="p14">
+      <p:transition spd="slow" p14:dur="2000"/>
+    </mc:Choice>
+    <mc:Fallback>
+      <p:transition spd="slow"/>
+    </mc:Fallback>
+  </mc:AlternateContent>
+</p:sld>
+</file>
+
+<file path=ppt/slides/slide12.xml><?xml version="1.0" encoding="utf-8"?>
+<p:sld xmlns:a="http://schemas.openxmlformats.org/drawingml/2006/main" xmlns:p="http://schemas.openxmlformats.org/presentationml/2006/main" xmlns:r="http://schemas.openxmlformats.org/officeDocument/2006/relationships" xmlns:p14="http://schemas.microsoft.com/office/powerpoint/2010/main" xmlns:p15="http://schemas.microsoft.com/office/powerpoint/2012/main" xmlns:mc="http://schemas.openxmlformats.org/markup-compatibility/2006">
+  <p:cSld>
+    <p:spTree>
+      <p:nvGrpSpPr>
+        <p:cNvPr id="1" name=""/>
+        <p:cNvGrpSpPr/>
+        <p:nvPr/>
+      </p:nvGrpSpPr>
+      <p:grpSpPr>
+        <a:xfrm>
+          <a:off x="0" y="0"/>
+          <a:ext cx="0" cy="0"/>
+          <a:chOff x="0" y="0"/>
+          <a:chExt cx="0" cy="0"/>
+        </a:xfrm>
+      </p:grpSpPr>
+      <p:sp>
+        <p:nvSpPr>
+          <p:cNvPr id="137" name="PlaceHolder 1"/>
+          <p:cNvSpPr>
+            <a:spLocks noGrp="1"/>
+          </p:cNvSpPr>
+          <p:nvPr>
+            <p:ph type="title"/>
+          </p:nvPr>
+        </p:nvSpPr>
+        <p:spPr>
+          <a:xfrm>
+            <a:off x="529560" y="2286000"/>
+            <a:ext cx="9071640" cy="946440"/>
+          </a:xfrm>
+          <a:prstGeom prst="rect">
+            <a:avLst/>
+          </a:prstGeom>
+          <a:noFill/>
+          <a:ln w="0">
+            <a:noFill/>
+          </a:ln>
+        </p:spPr>
+        <p:txBody>
+          <a:bodyPr lIns="0" rIns="0" tIns="0" bIns="0" anchor="ctr">
+            <a:noAutofit/>
+          </a:bodyPr>
+          <a:p>
+            <a:pPr algn="ctr">
+              <a:buNone/>
+            </a:pPr>
+            <a:r>
+              <a:rPr b="0" lang="en-US" sz="4000" spc="-1" strike="noStrike">
+                <a:latin typeface="Arial"/>
+              </a:rPr>
+              <a:t>Thank You!</a:t>
+            </a:r>
+            <a:endParaRPr b="0" lang="en-US" sz="4000" spc="-1" strike="noStrike">
+              <a:latin typeface="Arial"/>
+            </a:endParaRPr>
+          </a:p>
+        </p:txBody>
+      </p:sp>
+      <p:pic>
+        <p:nvPicPr>
+          <p:cNvPr id="138" name="" descr=""/>
+          <p:cNvPicPr/>
+          <p:nvPr/>
+        </p:nvPicPr>
+        <p:blipFill>
+          <a:blip r:embed="rId1"/>
+          <a:stretch/>
+        </p:blipFill>
+        <p:spPr>
+          <a:xfrm>
+            <a:off x="142560" y="5086800"/>
+            <a:ext cx="2600640" cy="399600"/>
+          </a:xfrm>
+          <a:prstGeom prst="rect">
+            <a:avLst/>
+          </a:prstGeom>
+          <a:ln w="0">
+            <a:noFill/>
+          </a:ln>
+        </p:spPr>
+      </p:pic>
+      <p:sp>
+        <p:nvSpPr>
+          <p:cNvPr id="139" name=""/>
+          <p:cNvSpPr txBox="1"/>
+          <p:nvPr/>
+        </p:nvSpPr>
+        <p:spPr>
+          <a:xfrm>
+            <a:off x="8686800" y="5257800"/>
+            <a:ext cx="1317960" cy="336600"/>
+          </a:xfrm>
+          <a:prstGeom prst="rect">
+            <a:avLst/>
+          </a:prstGeom>
+          <a:noFill/>
+          <a:ln w="0">
+            <a:noFill/>
+          </a:ln>
+        </p:spPr>
+        <p:txBody>
+          <a:bodyPr lIns="90000" rIns="90000" tIns="45000" bIns="45000" anchor="t">
+            <a:noAutofit/>
+          </a:bodyPr>
+          <a:p>
+            <a:pPr algn="r">
+              <a:buNone/>
+            </a:pPr>
+            <a:fld id="{7B4E0618-2276-4E6D-A398-2739B7BCD836}" type="slidenum">
+              <a:rPr b="0" lang="en-US" sz="1600" spc="-1" strike="noStrike">
+                <a:latin typeface="Times New Roman"/>
+              </a:rPr>
+              <a:t>&lt;number&gt;</a:t>
+            </a:fld>
+            <a:endParaRPr b="0" lang="en-US" sz="1600" spc="-1" strike="noStrike">
+              <a:latin typeface="Times New Roman"/>
+            </a:endParaRPr>
+          </a:p>
+        </p:txBody>
+      </p:sp>
+    </p:spTree>
+  </p:cSld>
+  <mc:AlternateContent>
+    <mc:Choice Requires="p14">
+      <p:transition spd="slow" p14:dur="2000"/>
+    </mc:Choice>
+    <mc:Fallback>
+      <p:transition spd="slow"/>
+    </mc:Fallback>
+  </mc:AlternateContent>
+</p:sld>
+</file>
+
+<file path=ppt/slides/slide2.xml><?xml version="1.0" encoding="utf-8"?>
+<p:sld xmlns:a="http://schemas.openxmlformats.org/drawingml/2006/main" xmlns:p="http://schemas.openxmlformats.org/presentationml/2006/main" xmlns:r="http://schemas.openxmlformats.org/officeDocument/2006/relationships" xmlns:p14="http://schemas.microsoft.com/office/powerpoint/2010/main" xmlns:p15="http://schemas.microsoft.com/office/powerpoint/2012/main" xmlns:mc="http://schemas.openxmlformats.org/markup-compatibility/2006">
+  <p:cSld>
+    <p:spTree>
+      <p:nvGrpSpPr>
+        <p:cNvPr id="1" name=""/>
+        <p:cNvGrpSpPr/>
+        <p:nvPr/>
+      </p:nvGrpSpPr>
+      <p:grpSpPr>
+        <a:xfrm>
+          <a:off x="0" y="0"/>
+          <a:ext cx="0" cy="0"/>
+          <a:chOff x="0" y="0"/>
+          <a:chExt cx="0" cy="0"/>
+        </a:xfrm>
+      </p:grpSpPr>
+      <p:sp>
+        <p:nvSpPr>
+          <p:cNvPr id="44" name="PlaceHolder 1"/>
+          <p:cNvSpPr>
+            <a:spLocks noGrp="1"/>
+          </p:cNvSpPr>
+          <p:nvPr>
+            <p:ph type="title"/>
+          </p:nvPr>
+        </p:nvSpPr>
+        <p:spPr>
+          <a:xfrm>
+            <a:off x="457200" y="228600"/>
+            <a:ext cx="9071640" cy="946440"/>
+          </a:xfrm>
+          <a:prstGeom prst="rect">
+            <a:avLst/>
+          </a:prstGeom>
+          <a:noFill/>
+          <a:ln w="0">
+            <a:noFill/>
+          </a:ln>
+        </p:spPr>
+        <p:txBody>
+          <a:bodyPr lIns="0" rIns="0" tIns="0" bIns="0" anchor="ctr">
+            <a:noAutofit/>
+          </a:bodyPr>
+          <a:p>
+            <a:pPr algn="ctr">
+              <a:buNone/>
+            </a:pPr>
+            <a:r>
+              <a:rPr b="0" lang="en-US" sz="4000" spc="-1" strike="noStrike">
+                <a:latin typeface="Arial"/>
+              </a:rPr>
+              <a:t>Data Set and Problem Description (1)</a:t>
+            </a:r>
+            <a:endParaRPr b="0" lang="en-US" sz="4000" spc="-1" strike="noStrike">
+              <a:latin typeface="Arial"/>
+            </a:endParaRPr>
+          </a:p>
+        </p:txBody>
+      </p:sp>
+      <p:pic>
+        <p:nvPicPr>
+          <p:cNvPr id="45" name="" descr=""/>
+          <p:cNvPicPr/>
+          <p:nvPr/>
+        </p:nvPicPr>
+        <p:blipFill>
+          <a:blip r:embed="rId1"/>
+          <a:stretch/>
+        </p:blipFill>
+        <p:spPr>
+          <a:xfrm>
+            <a:off x="142560" y="5086800"/>
+            <a:ext cx="2600640" cy="399600"/>
+          </a:xfrm>
+          <a:prstGeom prst="rect">
+            <a:avLst/>
+          </a:prstGeom>
+          <a:ln w="0">
+            <a:noFill/>
+          </a:ln>
+        </p:spPr>
+      </p:pic>
+      <p:sp>
+        <p:nvSpPr>
+          <p:cNvPr id="46" name=""/>
+          <p:cNvSpPr txBox="1"/>
+          <p:nvPr/>
+        </p:nvSpPr>
+        <p:spPr>
+          <a:xfrm>
+            <a:off x="8686800" y="5257800"/>
+            <a:ext cx="1317960" cy="336600"/>
+          </a:xfrm>
+          <a:prstGeom prst="rect">
+            <a:avLst/>
+          </a:prstGeom>
+          <a:noFill/>
+          <a:ln w="0">
+            <a:noFill/>
+          </a:ln>
+        </p:spPr>
+        <p:txBody>
+          <a:bodyPr lIns="90000" rIns="90000" tIns="45000" bIns="45000" anchor="t">
+            <a:noAutofit/>
+          </a:bodyPr>
+          <a:p>
+            <a:pPr algn="r">
+              <a:buNone/>
+            </a:pPr>
+            <a:fld id="{9590657B-017F-4A9B-ABA7-EBFE52E427CD}" type="slidenum">
+              <a:rPr b="0" lang="en-US" sz="1600" spc="-1" strike="noStrike">
+                <a:latin typeface="Times New Roman"/>
+              </a:rPr>
+              <a:t>&lt;number&gt;</a:t>
+            </a:fld>
+            <a:endParaRPr b="0" lang="en-US" sz="1600" spc="-1" strike="noStrike">
+              <a:latin typeface="Times New Roman"/>
+            </a:endParaRPr>
+          </a:p>
+        </p:txBody>
+      </p:sp>
+      <p:sp>
+        <p:nvSpPr>
+          <p:cNvPr id="47" name=""/>
+          <p:cNvSpPr txBox="1"/>
+          <p:nvPr/>
+        </p:nvSpPr>
+        <p:spPr>
+          <a:xfrm>
+            <a:off x="685800" y="1339560"/>
+            <a:ext cx="9071640" cy="489240"/>
+          </a:xfrm>
+          <a:prstGeom prst="rect">
+            <a:avLst/>
+          </a:prstGeom>
+          <a:noFill/>
+          <a:ln w="0">
+            <a:noFill/>
+          </a:ln>
+        </p:spPr>
+        <p:txBody>
+          <a:bodyPr lIns="0" rIns="0" tIns="0" bIns="0" anchor="ctr">
+            <a:noAutofit/>
+          </a:bodyPr>
+          <a:p>
+            <a:pPr marL="216000" indent="-216000">
+              <a:buClr>
+                <a:srgbClr val="000000"/>
+              </a:buClr>
+              <a:buSzPct val="45000"/>
+              <a:buFont typeface="Wingdings" charset="2"/>
+              <a:buChar char=""/>
+            </a:pPr>
+            <a:r>
+              <a:rPr b="0" lang="en-US" sz="1600" spc="-1" strike="noStrike">
+                <a:latin typeface="Arial"/>
+              </a:rPr>
+              <a:t>Data Set: Mitchell,Tom. (1999). CMU Face Images. UCI Machine Learning Repository. </a:t>
+            </a:r>
+            <a:r>
+              <a:rPr b="0" lang="en-US" sz="1600" spc="-1" strike="noStrike">
+                <a:latin typeface="Arial"/>
+                <a:hlinkClick r:id="rId2"/>
+              </a:rPr>
+              <a:t>https://doi.org/10.24432/C5JC79</a:t>
+            </a:r>
+            <a:r>
+              <a:rPr b="0" lang="en-US" sz="1600" spc="-1" strike="noStrike">
+                <a:latin typeface="Arial"/>
+              </a:rPr>
+              <a:t>. </a:t>
+            </a:r>
+            <a:endParaRPr b="0" lang="en-US" sz="1600" spc="-1" strike="noStrike">
+              <a:latin typeface="Arial"/>
+            </a:endParaRPr>
+          </a:p>
+        </p:txBody>
+      </p:sp>
+      <p:sp>
+        <p:nvSpPr>
+          <p:cNvPr id="48" name=""/>
+          <p:cNvSpPr txBox="1"/>
+          <p:nvPr/>
+        </p:nvSpPr>
+        <p:spPr>
+          <a:xfrm>
+            <a:off x="685800" y="2025360"/>
+            <a:ext cx="9071640" cy="260640"/>
+          </a:xfrm>
+          <a:prstGeom prst="rect">
+            <a:avLst/>
+          </a:prstGeom>
+          <a:noFill/>
+          <a:ln w="0">
+            <a:noFill/>
+          </a:ln>
+        </p:spPr>
+        <p:txBody>
+          <a:bodyPr lIns="0" rIns="0" tIns="0" bIns="0" anchor="ctr">
+            <a:noAutofit/>
+          </a:bodyPr>
+          <a:p>
+            <a:pPr marL="216000" indent="-216000">
+              <a:buClr>
+                <a:srgbClr val="000000"/>
+              </a:buClr>
+              <a:buSzPct val="45000"/>
+              <a:buFont typeface="Wingdings" charset="2"/>
+              <a:buChar char=""/>
+            </a:pPr>
+            <a:r>
+              <a:rPr b="0" lang="en-US" sz="1600" spc="-1" strike="noStrike">
+                <a:latin typeface="Arial"/>
+              </a:rPr>
+              <a:t>Type of Learning: Supervised Learning</a:t>
+            </a:r>
+            <a:endParaRPr b="0" lang="en-US" sz="1600" spc="-1" strike="noStrike">
+              <a:latin typeface="Arial"/>
+            </a:endParaRPr>
+          </a:p>
+        </p:txBody>
+      </p:sp>
+      <p:sp>
+        <p:nvSpPr>
+          <p:cNvPr id="49" name=""/>
+          <p:cNvSpPr txBox="1"/>
+          <p:nvPr/>
+        </p:nvSpPr>
+        <p:spPr>
+          <a:xfrm>
+            <a:off x="685800" y="2482560"/>
+            <a:ext cx="9071640" cy="260640"/>
+          </a:xfrm>
+          <a:prstGeom prst="rect">
+            <a:avLst/>
+          </a:prstGeom>
+          <a:noFill/>
+          <a:ln w="0">
+            <a:noFill/>
+          </a:ln>
+        </p:spPr>
+        <p:txBody>
+          <a:bodyPr lIns="0" rIns="0" tIns="0" bIns="0" anchor="ctr">
+            <a:noAutofit/>
+          </a:bodyPr>
+          <a:p>
+            <a:pPr marL="216000" indent="-216000">
+              <a:buClr>
+                <a:srgbClr val="000000"/>
+              </a:buClr>
+              <a:buSzPct val="45000"/>
+              <a:buFont typeface="Wingdings" charset="2"/>
+              <a:buChar char=""/>
+            </a:pPr>
+            <a:r>
+              <a:rPr b="0" lang="en-US" sz="1600" spc="-1" strike="noStrike">
+                <a:latin typeface="Arial"/>
+              </a:rPr>
+              <a:t>Type of Problem: Image Classification </a:t>
+            </a:r>
+            <a:endParaRPr b="0" lang="en-US" sz="1600" spc="-1" strike="noStrike">
+              <a:latin typeface="Arial"/>
+            </a:endParaRPr>
+          </a:p>
+        </p:txBody>
+      </p:sp>
+      <p:sp>
+        <p:nvSpPr>
+          <p:cNvPr id="50" name=""/>
+          <p:cNvSpPr txBox="1"/>
+          <p:nvPr/>
+        </p:nvSpPr>
+        <p:spPr>
+          <a:xfrm>
+            <a:off x="758160" y="2876400"/>
+            <a:ext cx="9071640" cy="451800"/>
+          </a:xfrm>
+          <a:prstGeom prst="rect">
+            <a:avLst/>
+          </a:prstGeom>
+          <a:noFill/>
+          <a:ln w="0">
+            <a:noFill/>
+          </a:ln>
+        </p:spPr>
+        <p:txBody>
+          <a:bodyPr lIns="0" rIns="0" tIns="0" bIns="0" anchor="ctr">
+            <a:noAutofit/>
+          </a:bodyPr>
+          <a:p>
+            <a:r>
+              <a:rPr b="1" lang="en-US" sz="1600" spc="-1" strike="noStrike">
+                <a:latin typeface="Arial"/>
+              </a:rPr>
+              <a:t>Python Libraries Used:</a:t>
+            </a:r>
+            <a:br>
+              <a:rPr sz="1600"/>
+            </a:br>
+            <a:endParaRPr b="0" lang="en-US" sz="1600" spc="-1" strike="noStrike">
+              <a:latin typeface="Arial"/>
+            </a:endParaRPr>
+          </a:p>
+        </p:txBody>
+      </p:sp>
+      <p:sp>
+        <p:nvSpPr>
+          <p:cNvPr id="51" name=""/>
+          <p:cNvSpPr txBox="1"/>
+          <p:nvPr/>
+        </p:nvSpPr>
+        <p:spPr>
+          <a:xfrm>
+            <a:off x="1044360" y="3187080"/>
+            <a:ext cx="9071640" cy="1354680"/>
+          </a:xfrm>
+          <a:prstGeom prst="rect">
+            <a:avLst/>
+          </a:prstGeom>
+          <a:noFill/>
+          <a:ln w="0">
+            <a:noFill/>
+          </a:ln>
+        </p:spPr>
+        <p:txBody>
+          <a:bodyPr lIns="0" rIns="0" tIns="0" bIns="0" anchor="ctr">
+            <a:noAutofit/>
+          </a:bodyPr>
+          <a:p>
+            <a:r>
+              <a:rPr b="0" lang="en-US" sz="1600" spc="-1" strike="noStrike">
+                <a:latin typeface="Arial"/>
+              </a:rPr>
+              <a:t>Scikit-learn</a:t>
+            </a:r>
+            <a:br>
+              <a:rPr sz="1600"/>
+            </a:br>
+            <a:r>
+              <a:rPr b="0" lang="en-US" sz="1600" spc="-1" strike="noStrike">
+                <a:latin typeface="Arial"/>
+              </a:rPr>
+              <a:t>matplotlib</a:t>
+            </a:r>
+            <a:br>
+              <a:rPr sz="1600"/>
+            </a:br>
+            <a:r>
+              <a:rPr b="0" lang="en-US" sz="1600" spc="-1" strike="noStrike">
+                <a:latin typeface="Arial"/>
+              </a:rPr>
+              <a:t>seaborn</a:t>
+            </a:r>
+            <a:br>
+              <a:rPr sz="1600"/>
+            </a:br>
+            <a:r>
+              <a:rPr b="0" lang="en-US" sz="1600" spc="-1" strike="noStrike">
+                <a:latin typeface="Arial"/>
+              </a:rPr>
+              <a:t>pandas</a:t>
+            </a:r>
+            <a:br>
+              <a:rPr sz="1600"/>
+            </a:br>
+            <a:r>
+              <a:rPr b="0" lang="en-US" sz="1600" spc="-1" strike="noStrike">
+                <a:latin typeface="Arial"/>
+              </a:rPr>
+              <a:t>numpy</a:t>
+            </a:r>
+            <a:br>
+              <a:rPr sz="1600"/>
+            </a:br>
+            <a:endParaRPr b="0" lang="en-US" sz="1600" spc="-1" strike="noStrike">
+              <a:latin typeface="Arial"/>
+            </a:endParaRPr>
+          </a:p>
+        </p:txBody>
+      </p:sp>
+    </p:spTree>
+  </p:cSld>
+  <mc:AlternateContent>
+    <mc:Choice Requires="p14">
+      <p:transition spd="slow" p14:dur="2000"/>
+    </mc:Choice>
+    <mc:Fallback>
+      <p:transition spd="slow"/>
+    </mc:Fallback>
+  </mc:AlternateContent>
+</p:sld>
+</file>
+
+<file path=ppt/slides/slide3.xml><?xml version="1.0" encoding="utf-8"?>
+<p:sld xmlns:a="http://schemas.openxmlformats.org/drawingml/2006/main" xmlns:p="http://schemas.openxmlformats.org/presentationml/2006/main" xmlns:r="http://schemas.openxmlformats.org/officeDocument/2006/relationships" xmlns:p14="http://schemas.microsoft.com/office/powerpoint/2010/main" xmlns:p15="http://schemas.microsoft.com/office/powerpoint/2012/main" xmlns:mc="http://schemas.openxmlformats.org/markup-compatibility/2006">
+  <p:cSld>
+    <p:spTree>
+      <p:nvGrpSpPr>
+        <p:cNvPr id="1" name=""/>
+        <p:cNvGrpSpPr/>
+        <p:nvPr/>
+      </p:nvGrpSpPr>
+      <p:grpSpPr>
+        <a:xfrm>
+          <a:off x="0" y="0"/>
+          <a:ext cx="0" cy="0"/>
+          <a:chOff x="0" y="0"/>
+          <a:chExt cx="0" cy="0"/>
+        </a:xfrm>
+      </p:grpSpPr>
+      <p:sp>
+        <p:nvSpPr>
+          <p:cNvPr id="52" name="PlaceHolder 1"/>
+          <p:cNvSpPr>
+            <a:spLocks noGrp="1"/>
+          </p:cNvSpPr>
+          <p:nvPr>
+            <p:ph type="title"/>
+          </p:nvPr>
+        </p:nvSpPr>
+        <p:spPr>
+          <a:xfrm>
+            <a:off x="457200" y="228600"/>
+            <a:ext cx="9071640" cy="946440"/>
+          </a:xfrm>
+          <a:prstGeom prst="rect">
+            <a:avLst/>
+          </a:prstGeom>
+          <a:noFill/>
+          <a:ln w="0">
+            <a:noFill/>
+          </a:ln>
+        </p:spPr>
+        <p:txBody>
+          <a:bodyPr lIns="0" rIns="0" tIns="0" bIns="0" anchor="ctr">
+            <a:noAutofit/>
+          </a:bodyPr>
+          <a:p>
+            <a:pPr algn="ctr">
+              <a:buNone/>
+            </a:pPr>
+            <a:r>
+              <a:rPr b="0" lang="en-US" sz="4000" spc="-1" strike="noStrike">
+                <a:latin typeface="Arial"/>
+              </a:rPr>
+              <a:t>Data Set and Problem Description (2)</a:t>
+            </a:r>
+            <a:endParaRPr b="0" lang="en-US" sz="4000" spc="-1" strike="noStrike">
+              <a:latin typeface="Arial"/>
+            </a:endParaRPr>
+          </a:p>
+        </p:txBody>
+      </p:sp>
+      <p:pic>
+        <p:nvPicPr>
+          <p:cNvPr id="53" name="" descr=""/>
+          <p:cNvPicPr/>
+          <p:nvPr/>
+        </p:nvPicPr>
+        <p:blipFill>
+          <a:blip r:embed="rId1"/>
+          <a:stretch/>
+        </p:blipFill>
+        <p:spPr>
+          <a:xfrm>
+            <a:off x="142560" y="5086800"/>
+            <a:ext cx="2600640" cy="399600"/>
+          </a:xfrm>
+          <a:prstGeom prst="rect">
+            <a:avLst/>
+          </a:prstGeom>
+          <a:ln w="0">
+            <a:noFill/>
+          </a:ln>
+        </p:spPr>
+      </p:pic>
+      <p:sp>
+        <p:nvSpPr>
+          <p:cNvPr id="54" name=""/>
+          <p:cNvSpPr txBox="1"/>
+          <p:nvPr/>
+        </p:nvSpPr>
+        <p:spPr>
+          <a:xfrm>
+            <a:off x="8686800" y="5257800"/>
+            <a:ext cx="1317960" cy="336600"/>
+          </a:xfrm>
+          <a:prstGeom prst="rect">
+            <a:avLst/>
+          </a:prstGeom>
+          <a:noFill/>
+          <a:ln w="0">
+            <a:noFill/>
+          </a:ln>
+        </p:spPr>
+        <p:txBody>
+          <a:bodyPr lIns="90000" rIns="90000" tIns="45000" bIns="45000" anchor="t">
+            <a:noAutofit/>
+          </a:bodyPr>
+          <a:p>
+            <a:pPr algn="r">
+              <a:buNone/>
+            </a:pPr>
+            <a:fld id="{A71484D1-B687-4360-96F9-8BBB7D09E69C}" type="slidenum">
+              <a:rPr b="0" lang="en-US" sz="1600" spc="-1" strike="noStrike">
+                <a:latin typeface="Times New Roman"/>
+              </a:rPr>
+              <a:t>&lt;number&gt;</a:t>
+            </a:fld>
+            <a:endParaRPr b="0" lang="en-US" sz="1600" spc="-1" strike="noStrike">
+              <a:latin typeface="Times New Roman"/>
+            </a:endParaRPr>
+          </a:p>
+        </p:txBody>
+      </p:sp>
+      <p:sp>
+        <p:nvSpPr>
+          <p:cNvPr id="55" name=""/>
+          <p:cNvSpPr txBox="1"/>
+          <p:nvPr/>
+        </p:nvSpPr>
+        <p:spPr>
+          <a:xfrm>
+            <a:off x="685800" y="1175760"/>
+            <a:ext cx="9071640" cy="2057400"/>
+          </a:xfrm>
+          <a:prstGeom prst="rect">
+            <a:avLst/>
+          </a:prstGeom>
+          <a:noFill/>
+          <a:ln w="0">
+            <a:noFill/>
+          </a:ln>
+        </p:spPr>
+        <p:txBody>
+          <a:bodyPr lIns="0" rIns="0" tIns="0" bIns="0" anchor="ctr">
+            <a:noAutofit/>
+          </a:bodyPr>
+          <a:p>
+            <a:r>
+              <a:rPr b="1" lang="en-US" sz="1600" spc="-1" strike="noStrike">
+                <a:latin typeface="Arial"/>
+              </a:rPr>
+              <a:t>Number of Images:</a:t>
+            </a:r>
+            <a:r>
+              <a:rPr b="0" lang="en-US" sz="1600" spc="-1" strike="noStrike">
+                <a:latin typeface="Arial"/>
+              </a:rPr>
+              <a:t> 640</a:t>
+            </a:r>
+            <a:endParaRPr b="0" lang="en-US" sz="1600" spc="-1" strike="noStrike">
+              <a:latin typeface="Arial"/>
+            </a:endParaRPr>
+          </a:p>
+          <a:p>
+            <a:r>
+              <a:rPr b="1" lang="en-US" sz="1600" spc="-1" strike="noStrike">
+                <a:latin typeface="Arial"/>
+              </a:rPr>
+              <a:t>File Format:</a:t>
+            </a:r>
+            <a:r>
+              <a:rPr b="0" lang="en-US" sz="1600" spc="-1" strike="noStrike">
+                <a:latin typeface="Arial"/>
+              </a:rPr>
+              <a:t> Portable Greyscale Map (.pgm)</a:t>
+            </a:r>
+            <a:br>
+              <a:rPr sz="1600"/>
+            </a:br>
+            <a:r>
+              <a:rPr b="1" lang="en-US" sz="1600" spc="-1" strike="noStrike">
+                <a:latin typeface="Arial"/>
+              </a:rPr>
+              <a:t>Color Palette:</a:t>
+            </a:r>
+            <a:r>
+              <a:rPr b="0" lang="en-US" sz="1600" spc="-1" strike="noStrike">
+                <a:latin typeface="Arial"/>
+              </a:rPr>
+              <a:t> Greyscale</a:t>
+            </a:r>
+            <a:endParaRPr b="0" lang="en-US" sz="1600" spc="-1" strike="noStrike">
+              <a:latin typeface="Arial"/>
+            </a:endParaRPr>
+          </a:p>
+          <a:p>
+            <a:r>
+              <a:rPr b="1" lang="en-US" sz="1600" spc="-1" strike="noStrike">
+                <a:latin typeface="Arial"/>
+              </a:rPr>
+              <a:t>Dimensions:</a:t>
+            </a:r>
+            <a:r>
+              <a:rPr b="0" lang="en-US" sz="1600" spc="-1" strike="noStrike">
+                <a:latin typeface="Arial"/>
+              </a:rPr>
+              <a:t> 3 copies of each image, (120x128), (60x64), (30x32)</a:t>
+            </a:r>
+            <a:endParaRPr b="0" lang="en-US" sz="1600" spc="-1" strike="noStrike">
+              <a:latin typeface="Arial"/>
+            </a:endParaRPr>
+          </a:p>
+          <a:p>
+            <a:r>
+              <a:rPr b="1" lang="en-US" sz="1600" spc="-1" strike="noStrike">
+                <a:latin typeface="Arial"/>
+                <a:ea typeface="Noto Sans CJK SC"/>
+              </a:rPr>
+              <a:t>Modalities:</a:t>
+            </a:r>
+            <a:br>
+              <a:rPr sz="1600"/>
+            </a:br>
+            <a:r>
+              <a:rPr b="0" lang="en-US" sz="1600" spc="-1" strike="noStrike">
+                <a:latin typeface="Arial"/>
+                <a:ea typeface="Noto Sans CJK SC"/>
+              </a:rPr>
+              <a:t>      Unique Faces – 20 different people</a:t>
+            </a:r>
+            <a:br>
+              <a:rPr sz="1600"/>
+            </a:br>
+            <a:r>
+              <a:rPr b="0" lang="en-US" sz="1600" spc="-1" strike="noStrike">
+                <a:latin typeface="Arial"/>
+                <a:ea typeface="Noto Sans CJK SC"/>
+              </a:rPr>
+              <a:t>      Direction - Left, Right, Up, Straight</a:t>
+            </a:r>
+            <a:br>
+              <a:rPr sz="1600"/>
+            </a:br>
+            <a:r>
+              <a:rPr b="0" lang="en-US" sz="1600" spc="-1" strike="noStrike">
+                <a:latin typeface="Arial"/>
+                <a:ea typeface="Noto Sans CJK SC"/>
+              </a:rPr>
+              <a:t>      Mood - Happy, Sad, Angry, Neutral</a:t>
+            </a:r>
+            <a:br>
+              <a:rPr sz="1600"/>
+            </a:br>
+            <a:r>
+              <a:rPr b="0" lang="en-US" sz="1600" spc="-1" strike="noStrike">
+                <a:latin typeface="Arial"/>
+              </a:rPr>
+              <a:t>      Sunglasses - On, Off</a:t>
+            </a:r>
+            <a:endParaRPr b="0" lang="en-US" sz="1600" spc="-1" strike="noStrike">
+              <a:latin typeface="Arial"/>
+            </a:endParaRPr>
+          </a:p>
+        </p:txBody>
+      </p:sp>
+      <p:pic>
+        <p:nvPicPr>
+          <p:cNvPr id="56" name="" descr=""/>
+          <p:cNvPicPr/>
+          <p:nvPr/>
+        </p:nvPicPr>
+        <p:blipFill>
+          <a:blip r:embed="rId2"/>
+          <a:stretch/>
+        </p:blipFill>
+        <p:spPr>
+          <a:xfrm>
+            <a:off x="172080" y="3474000"/>
+            <a:ext cx="1428120" cy="1326600"/>
+          </a:xfrm>
+          <a:prstGeom prst="rect">
+            <a:avLst/>
+          </a:prstGeom>
+          <a:ln w="0">
+            <a:noFill/>
+          </a:ln>
+        </p:spPr>
+      </p:pic>
+      <p:pic>
+        <p:nvPicPr>
+          <p:cNvPr id="57" name="" descr=""/>
+          <p:cNvPicPr/>
+          <p:nvPr/>
+        </p:nvPicPr>
+        <p:blipFill>
+          <a:blip r:embed="rId3"/>
+          <a:stretch/>
+        </p:blipFill>
+        <p:spPr>
+          <a:xfrm>
+            <a:off x="3429000" y="3474000"/>
+            <a:ext cx="1428120" cy="1326600"/>
+          </a:xfrm>
+          <a:prstGeom prst="rect">
+            <a:avLst/>
+          </a:prstGeom>
+          <a:ln w="0">
+            <a:noFill/>
+          </a:ln>
+        </p:spPr>
+      </p:pic>
+      <p:pic>
+        <p:nvPicPr>
+          <p:cNvPr id="58" name="" descr=""/>
+          <p:cNvPicPr/>
+          <p:nvPr/>
+        </p:nvPicPr>
+        <p:blipFill>
+          <a:blip r:embed="rId4"/>
+          <a:stretch/>
+        </p:blipFill>
+        <p:spPr>
+          <a:xfrm>
+            <a:off x="5201280" y="3474000"/>
+            <a:ext cx="1428120" cy="1326600"/>
+          </a:xfrm>
+          <a:prstGeom prst="rect">
+            <a:avLst/>
+          </a:prstGeom>
+          <a:ln w="0">
+            <a:noFill/>
+          </a:ln>
+        </p:spPr>
+      </p:pic>
+      <p:pic>
+        <p:nvPicPr>
+          <p:cNvPr id="59" name="" descr=""/>
+          <p:cNvPicPr/>
+          <p:nvPr/>
+        </p:nvPicPr>
+        <p:blipFill>
+          <a:blip r:embed="rId5"/>
+          <a:stretch/>
+        </p:blipFill>
+        <p:spPr>
+          <a:xfrm>
+            <a:off x="6801480" y="3474000"/>
+            <a:ext cx="1428120" cy="1326600"/>
+          </a:xfrm>
+          <a:prstGeom prst="rect">
+            <a:avLst/>
+          </a:prstGeom>
+          <a:ln w="0">
+            <a:noFill/>
+          </a:ln>
+        </p:spPr>
+      </p:pic>
+      <p:pic>
+        <p:nvPicPr>
+          <p:cNvPr id="60" name="" descr=""/>
+          <p:cNvPicPr/>
+          <p:nvPr/>
+        </p:nvPicPr>
+        <p:blipFill>
+          <a:blip r:embed="rId6"/>
+          <a:stretch/>
+        </p:blipFill>
+        <p:spPr>
+          <a:xfrm>
+            <a:off x="8458200" y="3474000"/>
+            <a:ext cx="1342440" cy="1326600"/>
+          </a:xfrm>
+          <a:prstGeom prst="rect">
+            <a:avLst/>
+          </a:prstGeom>
+          <a:ln w="0">
+            <a:noFill/>
+          </a:ln>
+        </p:spPr>
+      </p:pic>
+      <p:pic>
+        <p:nvPicPr>
+          <p:cNvPr id="61" name="" descr=""/>
+          <p:cNvPicPr/>
+          <p:nvPr/>
+        </p:nvPicPr>
+        <p:blipFill>
+          <a:blip r:embed="rId7"/>
+          <a:stretch/>
+        </p:blipFill>
+        <p:spPr>
+          <a:xfrm>
+            <a:off x="1828800" y="3474000"/>
+            <a:ext cx="1427760" cy="1326600"/>
+          </a:xfrm>
+          <a:prstGeom prst="rect">
+            <a:avLst/>
+          </a:prstGeom>
+          <a:ln w="0">
+            <a:noFill/>
+          </a:ln>
+        </p:spPr>
+      </p:pic>
+      <p:pic>
+        <p:nvPicPr>
+          <p:cNvPr id="62" name="" descr=""/>
+          <p:cNvPicPr/>
+          <p:nvPr/>
+        </p:nvPicPr>
+        <p:blipFill>
+          <a:blip r:embed="rId8"/>
+          <a:stretch/>
+        </p:blipFill>
+        <p:spPr>
+          <a:xfrm>
+            <a:off x="2859120" y="3327120"/>
+            <a:ext cx="569880" cy="559080"/>
+          </a:xfrm>
+          <a:prstGeom prst="rect">
+            <a:avLst/>
+          </a:prstGeom>
+          <a:ln w="0">
+            <a:noFill/>
+          </a:ln>
+        </p:spPr>
+      </p:pic>
+      <p:pic>
+        <p:nvPicPr>
+          <p:cNvPr id="63" name="" descr=""/>
+          <p:cNvPicPr/>
+          <p:nvPr/>
+        </p:nvPicPr>
+        <p:blipFill>
+          <a:blip r:embed="rId9"/>
+          <a:stretch/>
+        </p:blipFill>
+        <p:spPr>
+          <a:xfrm>
+            <a:off x="6172200" y="3327120"/>
+            <a:ext cx="569880" cy="559080"/>
+          </a:xfrm>
+          <a:prstGeom prst="rect">
+            <a:avLst/>
+          </a:prstGeom>
+          <a:ln w="0">
+            <a:noFill/>
+          </a:ln>
+        </p:spPr>
+      </p:pic>
+      <p:pic>
+        <p:nvPicPr>
+          <p:cNvPr id="64" name="" descr=""/>
+          <p:cNvPicPr/>
+          <p:nvPr/>
+        </p:nvPicPr>
+        <p:blipFill>
+          <a:blip r:embed="rId10"/>
+          <a:stretch/>
+        </p:blipFill>
+        <p:spPr>
+          <a:xfrm>
+            <a:off x="9372600" y="3327120"/>
+            <a:ext cx="569880" cy="559080"/>
+          </a:xfrm>
+          <a:prstGeom prst="rect">
+            <a:avLst/>
+          </a:prstGeom>
+          <a:ln w="0">
+            <a:noFill/>
+          </a:ln>
+        </p:spPr>
+      </p:pic>
+      <p:pic>
+        <p:nvPicPr>
+          <p:cNvPr id="65" name="" descr=""/>
+          <p:cNvPicPr/>
+          <p:nvPr/>
+        </p:nvPicPr>
+        <p:blipFill>
+          <a:blip r:embed="rId11"/>
+          <a:stretch/>
+        </p:blipFill>
+        <p:spPr>
+          <a:xfrm>
+            <a:off x="1371600" y="3333960"/>
+            <a:ext cx="437040" cy="437040"/>
+          </a:xfrm>
+          <a:prstGeom prst="rect">
+            <a:avLst/>
+          </a:prstGeom>
+          <a:ln w="0">
+            <a:noFill/>
+          </a:ln>
+        </p:spPr>
+      </p:pic>
+      <p:pic>
+        <p:nvPicPr>
+          <p:cNvPr id="66" name="" descr=""/>
+          <p:cNvPicPr/>
+          <p:nvPr/>
+        </p:nvPicPr>
+        <p:blipFill>
+          <a:blip r:embed="rId12"/>
+          <a:stretch/>
+        </p:blipFill>
+        <p:spPr>
+          <a:xfrm>
+            <a:off x="4572000" y="3328560"/>
+            <a:ext cx="437040" cy="437040"/>
+          </a:xfrm>
+          <a:prstGeom prst="rect">
+            <a:avLst/>
+          </a:prstGeom>
+          <a:ln w="0">
+            <a:noFill/>
+          </a:ln>
+        </p:spPr>
+      </p:pic>
+      <p:pic>
+        <p:nvPicPr>
+          <p:cNvPr id="67" name="" descr=""/>
+          <p:cNvPicPr/>
+          <p:nvPr/>
+        </p:nvPicPr>
+        <p:blipFill>
+          <a:blip r:embed="rId13"/>
+          <a:stretch/>
+        </p:blipFill>
+        <p:spPr>
+          <a:xfrm>
+            <a:off x="8001000" y="3328560"/>
+            <a:ext cx="437040" cy="437040"/>
+          </a:xfrm>
+          <a:prstGeom prst="rect">
+            <a:avLst/>
+          </a:prstGeom>
+          <a:ln w="0">
+            <a:noFill/>
+          </a:ln>
+        </p:spPr>
+      </p:pic>
+    </p:spTree>
+  </p:cSld>
+  <mc:AlternateContent>
+    <mc:Choice Requires="p14">
+      <p:transition spd="slow" p14:dur="2000"/>
+    </mc:Choice>
+    <mc:Fallback>
+      <p:transition spd="slow"/>
+    </mc:Fallback>
+  </mc:AlternateContent>
+</p:sld>
+</file>
+
+<file path=ppt/slides/slide4.xml><?xml version="1.0" encoding="utf-8"?>
+<p:sld xmlns:a="http://schemas.openxmlformats.org/drawingml/2006/main" xmlns:p="http://schemas.openxmlformats.org/presentationml/2006/main" xmlns:r="http://schemas.openxmlformats.org/officeDocument/2006/relationships" xmlns:p14="http://schemas.microsoft.com/office/powerpoint/2010/main" xmlns:p15="http://schemas.microsoft.com/office/powerpoint/2012/main" xmlns:mc="http://schemas.openxmlformats.org/markup-compatibility/2006">
+  <p:cSld>
+    <p:spTree>
+      <p:nvGrpSpPr>
+        <p:cNvPr id="1" name=""/>
+        <p:cNvGrpSpPr/>
+        <p:nvPr/>
+      </p:nvGrpSpPr>
+      <p:grpSpPr>
+        <a:xfrm>
+          <a:off x="0" y="0"/>
+          <a:ext cx="0" cy="0"/>
+          <a:chOff x="0" y="0"/>
+          <a:chExt cx="0" cy="0"/>
+        </a:xfrm>
+      </p:grpSpPr>
+      <p:sp>
+        <p:nvSpPr>
+          <p:cNvPr id="68" name="PlaceHolder 1"/>
+          <p:cNvSpPr>
+            <a:spLocks noGrp="1"/>
+          </p:cNvSpPr>
+          <p:nvPr>
+            <p:ph type="title"/>
+          </p:nvPr>
+        </p:nvSpPr>
+        <p:spPr>
+          <a:xfrm>
+            <a:off x="457200" y="228600"/>
+            <a:ext cx="9071640" cy="946440"/>
+          </a:xfrm>
+          <a:prstGeom prst="rect">
+            <a:avLst/>
+          </a:prstGeom>
+          <a:noFill/>
+          <a:ln w="0">
+            <a:noFill/>
+          </a:ln>
+        </p:spPr>
+        <p:txBody>
+          <a:bodyPr lIns="0" rIns="0" tIns="0" bIns="0" anchor="ctr">
+            <a:noAutofit/>
+          </a:bodyPr>
+          <a:p>
+            <a:pPr algn="ctr">
+              <a:buNone/>
+            </a:pPr>
+            <a:r>
+              <a:rPr b="0" lang="en-US" sz="4000" spc="-1" strike="noStrike">
+                <a:latin typeface="Arial"/>
+              </a:rPr>
+              <a:t>Data Cleaning and Preparation (1)</a:t>
+            </a:r>
+            <a:endParaRPr b="0" lang="en-US" sz="4000" spc="-1" strike="noStrike">
+              <a:latin typeface="Arial"/>
+            </a:endParaRPr>
+          </a:p>
+        </p:txBody>
+      </p:sp>
+      <p:pic>
+        <p:nvPicPr>
+          <p:cNvPr id="69" name="" descr=""/>
+          <p:cNvPicPr/>
+          <p:nvPr/>
+        </p:nvPicPr>
+        <p:blipFill>
+          <a:blip r:embed="rId1"/>
+          <a:stretch/>
+        </p:blipFill>
+        <p:spPr>
+          <a:xfrm>
+            <a:off x="142560" y="5086800"/>
+            <a:ext cx="2600640" cy="399600"/>
+          </a:xfrm>
+          <a:prstGeom prst="rect">
+            <a:avLst/>
+          </a:prstGeom>
+          <a:ln w="0">
+            <a:noFill/>
+          </a:ln>
+        </p:spPr>
+      </p:pic>
+      <p:sp>
+        <p:nvSpPr>
+          <p:cNvPr id="70" name=""/>
+          <p:cNvSpPr txBox="1"/>
+          <p:nvPr/>
+        </p:nvSpPr>
+        <p:spPr>
+          <a:xfrm>
+            <a:off x="8686800" y="5257800"/>
+            <a:ext cx="1317960" cy="336600"/>
+          </a:xfrm>
+          <a:prstGeom prst="rect">
+            <a:avLst/>
+          </a:prstGeom>
+          <a:noFill/>
+          <a:ln w="0">
+            <a:noFill/>
+          </a:ln>
+        </p:spPr>
+        <p:txBody>
+          <a:bodyPr lIns="90000" rIns="90000" tIns="45000" bIns="45000" anchor="t">
+            <a:noAutofit/>
+          </a:bodyPr>
+          <a:p>
+            <a:pPr algn="r">
+              <a:buNone/>
+            </a:pPr>
+            <a:fld id="{EB384EB0-BD76-4E43-8D3F-DB0ADAB7977E}" type="slidenum">
+              <a:rPr b="0" lang="en-US" sz="1600" spc="-1" strike="noStrike">
+                <a:latin typeface="Times New Roman"/>
+              </a:rPr>
+              <a:t>&lt;number&gt;</a:t>
+            </a:fld>
+            <a:endParaRPr b="0" lang="en-US" sz="1600" spc="-1" strike="noStrike">
+              <a:latin typeface="Times New Roman"/>
+            </a:endParaRPr>
+          </a:p>
+        </p:txBody>
+      </p:sp>
+      <p:sp>
+        <p:nvSpPr>
+          <p:cNvPr id="71" name=""/>
+          <p:cNvSpPr txBox="1"/>
+          <p:nvPr/>
+        </p:nvSpPr>
+        <p:spPr>
+          <a:xfrm>
+            <a:off x="194040" y="1143000"/>
+            <a:ext cx="9864360" cy="1839600"/>
+          </a:xfrm>
+          <a:prstGeom prst="rect">
+            <a:avLst/>
+          </a:prstGeom>
+          <a:noFill/>
+          <a:ln w="0">
+            <a:noFill/>
+          </a:ln>
+        </p:spPr>
+        <p:txBody>
+          <a:bodyPr lIns="90000" rIns="90000" tIns="45000" bIns="45000" anchor="t">
+            <a:noAutofit/>
+          </a:bodyPr>
+          <a:p>
+            <a:pPr marL="216000" indent="-216000">
+              <a:lnSpc>
+                <a:spcPct val="100000"/>
+              </a:lnSpc>
+              <a:buClr>
+                <a:srgbClr val="000000"/>
+              </a:buClr>
+              <a:buSzPct val="45000"/>
+              <a:buFont typeface="Wingdings" charset="2"/>
+              <a:buChar char=""/>
+            </a:pPr>
+            <a:r>
+              <a:rPr b="0" lang="en-US" sz="1600" spc="-1" strike="noStrike">
+                <a:latin typeface="Arial"/>
+              </a:rPr>
+              <a:t>Training data labels are encoded in the file names of each image and not in any tabular format. </a:t>
+            </a:r>
+            <a:endParaRPr b="0" lang="en-US" sz="1600" spc="-1" strike="noStrike">
+              <a:latin typeface="Arial"/>
+            </a:endParaRPr>
+          </a:p>
+          <a:p>
+            <a:pPr marL="216000" indent="-216000">
+              <a:buClr>
+                <a:srgbClr val="000000"/>
+              </a:buClr>
+              <a:buSzPct val="45000"/>
+              <a:buFont typeface="Wingdings" charset="2"/>
+              <a:buChar char=""/>
+            </a:pPr>
+            <a:r>
+              <a:rPr b="0" lang="en-US" sz="1600" spc="-1" strike="noStrike">
+                <a:latin typeface="Arial"/>
+              </a:rPr>
+              <a:t>Mis-captured images need to be removed. </a:t>
+            </a:r>
+            <a:endParaRPr b="0" lang="en-US" sz="1600" spc="-1" strike="noStrike">
+              <a:latin typeface="Arial"/>
+            </a:endParaRPr>
+          </a:p>
+          <a:p>
+            <a:pPr marL="216000" indent="-216000">
+              <a:buClr>
+                <a:srgbClr val="000000"/>
+              </a:buClr>
+              <a:buSzPct val="45000"/>
+              <a:buFont typeface="Wingdings" charset="2"/>
+              <a:buChar char=""/>
+            </a:pPr>
+            <a:r>
+              <a:rPr b="0" lang="en-US" sz="1600" spc="-1" strike="noStrike">
+                <a:latin typeface="Arial"/>
+              </a:rPr>
+              <a:t>Each image is duplicated 3 times in different resolutions. I have selected only the highest resolution versions for this project.</a:t>
+            </a:r>
+            <a:endParaRPr b="0" lang="en-US" sz="1600" spc="-1" strike="noStrike">
+              <a:latin typeface="Arial"/>
+            </a:endParaRPr>
+          </a:p>
+          <a:p>
+            <a:pPr marL="216000" indent="-216000">
+              <a:buClr>
+                <a:srgbClr val="000000"/>
+              </a:buClr>
+              <a:buSzPct val="45000"/>
+              <a:buFont typeface="Wingdings" charset="2"/>
+              <a:buChar char=""/>
+            </a:pPr>
+            <a:r>
+              <a:rPr b="0" lang="en-US" sz="1600" spc="-1" strike="noStrike">
+                <a:latin typeface="Arial"/>
+              </a:rPr>
+              <a:t>Some label classes are not binary (e.g. more than 2 labels). For example, "mood" can take values (happy, sad, angry, neutral). These will be split into binary labels (mood_happy, mood_sad, mood_angry, mood_neutral) which have values (1 or 0).</a:t>
+            </a:r>
+            <a:endParaRPr b="0" lang="en-US" sz="1600" spc="-1" strike="noStrike">
+              <a:latin typeface="Arial"/>
+            </a:endParaRPr>
+          </a:p>
+        </p:txBody>
+      </p:sp>
+      <p:pic>
+        <p:nvPicPr>
+          <p:cNvPr id="72" name="" descr=""/>
+          <p:cNvPicPr/>
+          <p:nvPr/>
+        </p:nvPicPr>
+        <p:blipFill>
+          <a:blip r:embed="rId2"/>
+          <a:stretch/>
+        </p:blipFill>
+        <p:spPr>
+          <a:xfrm>
+            <a:off x="228600" y="3082680"/>
+            <a:ext cx="5943600" cy="1717920"/>
+          </a:xfrm>
+          <a:prstGeom prst="rect">
+            <a:avLst/>
+          </a:prstGeom>
+          <a:ln w="0">
+            <a:noFill/>
+          </a:ln>
+        </p:spPr>
+      </p:pic>
+      <p:pic>
+        <p:nvPicPr>
+          <p:cNvPr id="73" name="" descr=""/>
+          <p:cNvPicPr/>
+          <p:nvPr/>
+        </p:nvPicPr>
+        <p:blipFill>
+          <a:blip r:embed="rId3"/>
+          <a:stretch/>
+        </p:blipFill>
+        <p:spPr>
+          <a:xfrm>
+            <a:off x="6400800" y="2971800"/>
+            <a:ext cx="3200400" cy="2057400"/>
+          </a:xfrm>
+          <a:prstGeom prst="rect">
+            <a:avLst/>
+          </a:prstGeom>
+          <a:ln w="0">
+            <a:noFill/>
+          </a:ln>
+        </p:spPr>
+      </p:pic>
+    </p:spTree>
+  </p:cSld>
+  <mc:AlternateContent>
+    <mc:Choice Requires="p14">
+      <p:transition spd="slow" p14:dur="2000"/>
+    </mc:Choice>
+    <mc:Fallback>
+      <p:transition spd="slow"/>
+    </mc:Fallback>
+  </mc:AlternateContent>
+</p:sld>
+</file>
+
+<file path=ppt/slides/slide5.xml><?xml version="1.0" encoding="utf-8"?>
+<p:sld xmlns:a="http://schemas.openxmlformats.org/drawingml/2006/main" xmlns:p="http://schemas.openxmlformats.org/presentationml/2006/main" xmlns:r="http://schemas.openxmlformats.org/officeDocument/2006/relationships" xmlns:p14="http://schemas.microsoft.com/office/powerpoint/2010/main" xmlns:p15="http://schemas.microsoft.com/office/powerpoint/2012/main" xmlns:mc="http://schemas.openxmlformats.org/markup-compatibility/2006">
+  <p:cSld>
+    <p:spTree>
+      <p:nvGrpSpPr>
+        <p:cNvPr id="1" name=""/>
+        <p:cNvGrpSpPr/>
+        <p:nvPr/>
+      </p:nvGrpSpPr>
+      <p:grpSpPr>
+        <a:xfrm>
+          <a:off x="0" y="0"/>
+          <a:ext cx="0" cy="0"/>
+          <a:chOff x="0" y="0"/>
+          <a:chExt cx="0" cy="0"/>
+        </a:xfrm>
+      </p:grpSpPr>
+      <p:sp>
+        <p:nvSpPr>
+          <p:cNvPr id="74" name="PlaceHolder 1"/>
+          <p:cNvSpPr>
+            <a:spLocks noGrp="1"/>
+          </p:cNvSpPr>
+          <p:nvPr>
+            <p:ph type="title"/>
+          </p:nvPr>
+        </p:nvSpPr>
+        <p:spPr>
+          <a:xfrm>
+            <a:off x="457200" y="228600"/>
+            <a:ext cx="9071640" cy="946440"/>
+          </a:xfrm>
+          <a:prstGeom prst="rect">
+            <a:avLst/>
+          </a:prstGeom>
+          <a:noFill/>
+          <a:ln w="0">
+            <a:noFill/>
+          </a:ln>
+        </p:spPr>
+        <p:txBody>
+          <a:bodyPr lIns="0" rIns="0" tIns="0" bIns="0" anchor="ctr">
+            <a:noAutofit/>
+          </a:bodyPr>
+          <a:p>
+            <a:pPr algn="ctr">
+              <a:buNone/>
+            </a:pPr>
+            <a:r>
+              <a:rPr b="0" lang="en-US" sz="4000" spc="-1" strike="noStrike">
+                <a:latin typeface="Arial"/>
+              </a:rPr>
+              <a:t>Data Cleaning and Preparation (2)</a:t>
+            </a:r>
+            <a:endParaRPr b="0" lang="en-US" sz="4000" spc="-1" strike="noStrike">
+              <a:latin typeface="Arial"/>
+            </a:endParaRPr>
+          </a:p>
+        </p:txBody>
+      </p:sp>
+      <p:pic>
+        <p:nvPicPr>
+          <p:cNvPr id="75" name="" descr=""/>
+          <p:cNvPicPr/>
+          <p:nvPr/>
+        </p:nvPicPr>
+        <p:blipFill>
+          <a:blip r:embed="rId1"/>
+          <a:stretch/>
+        </p:blipFill>
+        <p:spPr>
+          <a:xfrm>
+            <a:off x="142560" y="5086800"/>
+            <a:ext cx="2600640" cy="399600"/>
+          </a:xfrm>
+          <a:prstGeom prst="rect">
+            <a:avLst/>
+          </a:prstGeom>
+          <a:ln w="0">
+            <a:noFill/>
+          </a:ln>
+        </p:spPr>
+      </p:pic>
+      <p:sp>
+        <p:nvSpPr>
+          <p:cNvPr id="76" name=""/>
+          <p:cNvSpPr txBox="1"/>
+          <p:nvPr/>
+        </p:nvSpPr>
+        <p:spPr>
+          <a:xfrm>
+            <a:off x="8686800" y="5257800"/>
+            <a:ext cx="1317960" cy="336600"/>
+          </a:xfrm>
+          <a:prstGeom prst="rect">
+            <a:avLst/>
+          </a:prstGeom>
+          <a:noFill/>
+          <a:ln w="0">
+            <a:noFill/>
+          </a:ln>
+        </p:spPr>
+        <p:txBody>
+          <a:bodyPr lIns="90000" rIns="90000" tIns="45000" bIns="45000" anchor="t">
+            <a:noAutofit/>
+          </a:bodyPr>
+          <a:p>
+            <a:pPr algn="r">
+              <a:buNone/>
+            </a:pPr>
+            <a:fld id="{B5E8F427-E592-451D-9B17-8AAC07092D02}" type="slidenum">
+              <a:rPr b="0" lang="en-US" sz="1600" spc="-1" strike="noStrike">
+                <a:latin typeface="Times New Roman"/>
+              </a:rPr>
+              <a:t>&lt;number&gt;</a:t>
+            </a:fld>
+            <a:endParaRPr b="0" lang="en-US" sz="1600" spc="-1" strike="noStrike">
+              <a:latin typeface="Times New Roman"/>
+            </a:endParaRPr>
+          </a:p>
+        </p:txBody>
+      </p:sp>
+      <p:pic>
+        <p:nvPicPr>
+          <p:cNvPr id="77" name="" descr=""/>
+          <p:cNvPicPr/>
+          <p:nvPr/>
+        </p:nvPicPr>
+        <p:blipFill>
+          <a:blip r:embed="rId2"/>
+          <a:stretch/>
+        </p:blipFill>
+        <p:spPr>
+          <a:xfrm>
+            <a:off x="6363000" y="1600200"/>
+            <a:ext cx="2781000" cy="2676240"/>
+          </a:xfrm>
+          <a:prstGeom prst="rect">
+            <a:avLst/>
+          </a:prstGeom>
+          <a:ln w="0">
+            <a:noFill/>
+          </a:ln>
+        </p:spPr>
+      </p:pic>
+      <p:pic>
+        <p:nvPicPr>
+          <p:cNvPr id="78" name="" descr=""/>
+          <p:cNvPicPr/>
+          <p:nvPr/>
+        </p:nvPicPr>
+        <p:blipFill>
+          <a:blip r:embed="rId3"/>
+          <a:stretch/>
+        </p:blipFill>
+        <p:spPr>
+          <a:xfrm>
+            <a:off x="1105200" y="1365840"/>
+            <a:ext cx="4609800" cy="3206160"/>
+          </a:xfrm>
+          <a:prstGeom prst="rect">
+            <a:avLst/>
+          </a:prstGeom>
+          <a:ln w="0">
+            <a:noFill/>
+          </a:ln>
+        </p:spPr>
+      </p:pic>
+    </p:spTree>
+  </p:cSld>
+  <mc:AlternateContent>
+    <mc:Choice Requires="p14">
+      <p:transition spd="slow" p14:dur="2000"/>
+    </mc:Choice>
+    <mc:Fallback>
+      <p:transition spd="slow"/>
+    </mc:Fallback>
+  </mc:AlternateContent>
+</p:sld>
+</file>
+
+<file path=ppt/slides/slide6.xml><?xml version="1.0" encoding="utf-8"?>
+<p:sld xmlns:a="http://schemas.openxmlformats.org/drawingml/2006/main" xmlns:p="http://schemas.openxmlformats.org/presentationml/2006/main" xmlns:r="http://schemas.openxmlformats.org/officeDocument/2006/relationships" xmlns:p14="http://schemas.microsoft.com/office/powerpoint/2010/main" xmlns:p15="http://schemas.microsoft.com/office/powerpoint/2012/main" xmlns:mc="http://schemas.openxmlformats.org/markup-compatibility/2006">
+  <p:cSld>
+    <p:spTree>
+      <p:nvGrpSpPr>
+        <p:cNvPr id="1" name=""/>
+        <p:cNvGrpSpPr/>
+        <p:nvPr/>
+      </p:nvGrpSpPr>
+      <p:grpSpPr>
+        <a:xfrm>
+          <a:off x="0" y="0"/>
+          <a:ext cx="0" cy="0"/>
+          <a:chOff x="0" y="0"/>
+          <a:chExt cx="0" cy="0"/>
+        </a:xfrm>
+      </p:grpSpPr>
+      <p:sp>
+        <p:nvSpPr>
+          <p:cNvPr id="79" name="PlaceHolder 1"/>
+          <p:cNvSpPr>
+            <a:spLocks noGrp="1"/>
+          </p:cNvSpPr>
+          <p:nvPr>
+            <p:ph type="title"/>
+          </p:nvPr>
+        </p:nvSpPr>
+        <p:spPr>
+          <a:xfrm>
+            <a:off x="457200" y="228600"/>
+            <a:ext cx="9071640" cy="946440"/>
+          </a:xfrm>
+          <a:prstGeom prst="rect">
+            <a:avLst/>
+          </a:prstGeom>
+          <a:noFill/>
+          <a:ln w="0">
+            <a:noFill/>
+          </a:ln>
+        </p:spPr>
+        <p:txBody>
+          <a:bodyPr lIns="0" rIns="0" tIns="0" bIns="0" anchor="ctr">
+            <a:noAutofit/>
+          </a:bodyPr>
+          <a:p>
+            <a:pPr algn="ctr">
+              <a:buNone/>
+            </a:pPr>
+            <a:r>
+              <a:rPr b="0" lang="en-US" sz="4000" spc="-1" strike="noStrike">
+                <a:latin typeface="Arial"/>
+              </a:rPr>
+              <a:t>Exploratory Data Analysis (EDA)</a:t>
+            </a:r>
+            <a:endParaRPr b="0" lang="en-US" sz="4000" spc="-1" strike="noStrike">
+              <a:latin typeface="Arial"/>
+            </a:endParaRPr>
+          </a:p>
+        </p:txBody>
+      </p:sp>
+      <p:pic>
+        <p:nvPicPr>
+          <p:cNvPr id="80" name="" descr=""/>
+          <p:cNvPicPr/>
+          <p:nvPr/>
+        </p:nvPicPr>
+        <p:blipFill>
+          <a:blip r:embed="rId1"/>
+          <a:stretch/>
+        </p:blipFill>
+        <p:spPr>
+          <a:xfrm>
+            <a:off x="142560" y="5086800"/>
+            <a:ext cx="2600640" cy="399600"/>
+          </a:xfrm>
+          <a:prstGeom prst="rect">
+            <a:avLst/>
+          </a:prstGeom>
+          <a:ln w="0">
+            <a:noFill/>
+          </a:ln>
+        </p:spPr>
+      </p:pic>
+      <p:sp>
+        <p:nvSpPr>
+          <p:cNvPr id="81" name=""/>
+          <p:cNvSpPr txBox="1"/>
+          <p:nvPr/>
+        </p:nvSpPr>
+        <p:spPr>
+          <a:xfrm>
+            <a:off x="8686800" y="5257800"/>
+            <a:ext cx="1317960" cy="336600"/>
+          </a:xfrm>
+          <a:prstGeom prst="rect">
+            <a:avLst/>
+          </a:prstGeom>
+          <a:noFill/>
+          <a:ln w="0">
+            <a:noFill/>
+          </a:ln>
+        </p:spPr>
+        <p:txBody>
+          <a:bodyPr lIns="90000" rIns="90000" tIns="45000" bIns="45000" anchor="t">
+            <a:noAutofit/>
+          </a:bodyPr>
+          <a:p>
+            <a:pPr algn="r">
+              <a:buNone/>
+            </a:pPr>
+            <a:fld id="{2804D76F-EA00-4AC2-A530-A0BD636C962B}" type="slidenum">
+              <a:rPr b="0" lang="en-US" sz="1600" spc="-1" strike="noStrike">
+                <a:latin typeface="Times New Roman"/>
+              </a:rPr>
+              <a:t>&lt;number&gt;</a:t>
+            </a:fld>
+            <a:endParaRPr b="0" lang="en-US" sz="1600" spc="-1" strike="noStrike">
+              <a:latin typeface="Times New Roman"/>
+            </a:endParaRPr>
+          </a:p>
+        </p:txBody>
+      </p:sp>
+      <p:pic>
+        <p:nvPicPr>
+          <p:cNvPr id="82" name="" descr=""/>
+          <p:cNvPicPr/>
+          <p:nvPr/>
+        </p:nvPicPr>
+        <p:blipFill>
+          <a:blip r:embed="rId2"/>
+          <a:stretch/>
+        </p:blipFill>
+        <p:spPr>
+          <a:xfrm>
+            <a:off x="228600" y="1134000"/>
+            <a:ext cx="4928400" cy="3666600"/>
+          </a:xfrm>
+          <a:prstGeom prst="rect">
+            <a:avLst/>
+          </a:prstGeom>
+          <a:ln w="0">
+            <a:noFill/>
+          </a:ln>
+        </p:spPr>
+      </p:pic>
+      <p:sp>
+        <p:nvSpPr>
+          <p:cNvPr id="83" name=""/>
+          <p:cNvSpPr txBox="1"/>
+          <p:nvPr/>
+        </p:nvSpPr>
+        <p:spPr>
+          <a:xfrm>
+            <a:off x="5486400" y="1541520"/>
+            <a:ext cx="4343400" cy="2573280"/>
+          </a:xfrm>
+          <a:prstGeom prst="rect">
+            <a:avLst/>
+          </a:prstGeom>
+          <a:noFill/>
+          <a:ln w="0">
+            <a:noFill/>
+          </a:ln>
+        </p:spPr>
+        <p:txBody>
+          <a:bodyPr lIns="90000" rIns="90000" tIns="45000" bIns="45000" anchor="t">
+            <a:noAutofit/>
+          </a:bodyPr>
+          <a:p>
+            <a:pPr marL="216000" indent="-216000">
+              <a:lnSpc>
+                <a:spcPct val="100000"/>
+              </a:lnSpc>
+              <a:buClr>
+                <a:srgbClr val="000000"/>
+              </a:buClr>
+              <a:buSzPct val="45000"/>
+              <a:buFont typeface="Wingdings" charset="2"/>
+              <a:buChar char=""/>
+            </a:pPr>
+            <a:r>
+              <a:rPr b="0" lang="en-US" sz="1600" spc="-1" strike="noStrike">
+                <a:latin typeface="Arial"/>
+              </a:rPr>
+              <a:t>Features are not easily separable for image data . </a:t>
+            </a:r>
+            <a:endParaRPr b="0" lang="en-US" sz="1600" spc="-1" strike="noStrike">
+              <a:latin typeface="Arial"/>
+            </a:endParaRPr>
+          </a:p>
+          <a:p>
+            <a:pPr marL="216000" indent="-216000">
+              <a:buClr>
+                <a:srgbClr val="000000"/>
+              </a:buClr>
+              <a:buSzPct val="45000"/>
+              <a:buFont typeface="Wingdings" charset="2"/>
+              <a:buChar char=""/>
+            </a:pPr>
+            <a:r>
+              <a:rPr b="0" lang="en-US" sz="1600" spc="-1" strike="noStrike">
+                <a:latin typeface="Arial"/>
+              </a:rPr>
+              <a:t>Here we attempt to look for possible differences based on luminosity. </a:t>
+            </a:r>
+            <a:endParaRPr b="0" lang="en-US" sz="1600" spc="-1" strike="noStrike">
+              <a:latin typeface="Arial"/>
+            </a:endParaRPr>
+          </a:p>
+          <a:p>
+            <a:pPr marL="216000" indent="-216000">
+              <a:buClr>
+                <a:srgbClr val="000000"/>
+              </a:buClr>
+              <a:buSzPct val="45000"/>
+              <a:buFont typeface="Wingdings" charset="2"/>
+              <a:buChar char=""/>
+            </a:pPr>
+            <a:r>
+              <a:rPr b="0" lang="en-US" sz="1600" spc="-1" strike="noStrike">
+                <a:latin typeface="Arial"/>
+              </a:rPr>
+              <a:t>Sunglasses are dark… </a:t>
+            </a:r>
+            <a:endParaRPr b="0" lang="en-US" sz="1600" spc="-1" strike="noStrike">
+              <a:latin typeface="Arial"/>
+            </a:endParaRPr>
+          </a:p>
+        </p:txBody>
+      </p:sp>
+    </p:spTree>
+  </p:cSld>
+  <mc:AlternateContent>
+    <mc:Choice Requires="p14">
+      <p:transition spd="slow" p14:dur="2000"/>
+    </mc:Choice>
+    <mc:Fallback>
+      <p:transition spd="slow"/>
+    </mc:Fallback>
+  </mc:AlternateContent>
+</p:sld>
+</file>
+
+<file path=ppt/slides/slide7.xml><?xml version="1.0" encoding="utf-8"?>
+<p:sld xmlns:a="http://schemas.openxmlformats.org/drawingml/2006/main" xmlns:p="http://schemas.openxmlformats.org/presentationml/2006/main" xmlns:r="http://schemas.openxmlformats.org/officeDocument/2006/relationships" xmlns:p14="http://schemas.microsoft.com/office/powerpoint/2010/main" xmlns:p15="http://schemas.microsoft.com/office/powerpoint/2012/main" xmlns:mc="http://schemas.openxmlformats.org/markup-compatibility/2006">
+  <p:cSld>
+    <p:spTree>
+      <p:nvGrpSpPr>
+        <p:cNvPr id="1" name=""/>
+        <p:cNvGrpSpPr/>
+        <p:nvPr/>
+      </p:nvGrpSpPr>
+      <p:grpSpPr>
+        <a:xfrm>
+          <a:off x="0" y="0"/>
+          <a:ext cx="0" cy="0"/>
+          <a:chOff x="0" y="0"/>
+          <a:chExt cx="0" cy="0"/>
+        </a:xfrm>
+      </p:grpSpPr>
+      <p:sp>
+        <p:nvSpPr>
+          <p:cNvPr id="84" name="PlaceHolder 1"/>
+          <p:cNvSpPr>
+            <a:spLocks noGrp="1"/>
+          </p:cNvSpPr>
+          <p:nvPr>
+            <p:ph type="title"/>
+          </p:nvPr>
+        </p:nvSpPr>
+        <p:spPr>
+          <a:xfrm>
+            <a:off x="457200" y="228600"/>
+            <a:ext cx="9071640" cy="946440"/>
+          </a:xfrm>
+          <a:prstGeom prst="rect">
+            <a:avLst/>
+          </a:prstGeom>
+          <a:noFill/>
+          <a:ln w="0">
+            <a:noFill/>
+          </a:ln>
+        </p:spPr>
+        <p:txBody>
+          <a:bodyPr lIns="0" rIns="0" tIns="0" bIns="0" anchor="ctr">
+            <a:noAutofit/>
+          </a:bodyPr>
+          <a:p>
+            <a:pPr algn="ctr">
+              <a:buNone/>
+            </a:pPr>
+            <a:r>
+              <a:rPr b="0" lang="en-US" sz="4000" spc="-1" strike="noStrike">
+                <a:latin typeface="Arial"/>
+              </a:rPr>
+              <a:t>Modeling and Training (1) </a:t>
+            </a:r>
+            <a:endParaRPr b="0" lang="en-US" sz="4000" spc="-1" strike="noStrike">
+              <a:latin typeface="Arial"/>
+            </a:endParaRPr>
+          </a:p>
+        </p:txBody>
+      </p:sp>
+      <p:pic>
+        <p:nvPicPr>
+          <p:cNvPr id="85" name="" descr=""/>
+          <p:cNvPicPr/>
+          <p:nvPr/>
+        </p:nvPicPr>
+        <p:blipFill>
+          <a:blip r:embed="rId1"/>
+          <a:stretch/>
+        </p:blipFill>
+        <p:spPr>
+          <a:xfrm>
+            <a:off x="142560" y="5086800"/>
+            <a:ext cx="2600640" cy="399600"/>
+          </a:xfrm>
+          <a:prstGeom prst="rect">
+            <a:avLst/>
+          </a:prstGeom>
+          <a:ln w="0">
+            <a:noFill/>
+          </a:ln>
+        </p:spPr>
+      </p:pic>
+      <p:sp>
+        <p:nvSpPr>
+          <p:cNvPr id="86" name=""/>
+          <p:cNvSpPr txBox="1"/>
+          <p:nvPr/>
+        </p:nvSpPr>
+        <p:spPr>
+          <a:xfrm>
+            <a:off x="8686800" y="5257800"/>
+            <a:ext cx="1317960" cy="336600"/>
+          </a:xfrm>
+          <a:prstGeom prst="rect">
+            <a:avLst/>
+          </a:prstGeom>
+          <a:noFill/>
+          <a:ln w="0">
+            <a:noFill/>
+          </a:ln>
+        </p:spPr>
+        <p:txBody>
+          <a:bodyPr lIns="90000" rIns="90000" tIns="45000" bIns="45000" anchor="t">
+            <a:noAutofit/>
+          </a:bodyPr>
+          <a:p>
+            <a:pPr algn="r">
+              <a:buNone/>
+            </a:pPr>
+            <a:fld id="{074196EF-2CD9-4BD6-9420-976AF4D88300}" type="slidenum">
+              <a:rPr b="0" lang="en-US" sz="1600" spc="-1" strike="noStrike">
+                <a:latin typeface="Times New Roman"/>
+              </a:rPr>
+              <a:t>&lt;number&gt;</a:t>
+            </a:fld>
+            <a:endParaRPr b="0" lang="en-US" sz="1600" spc="-1" strike="noStrike">
+              <a:latin typeface="Times New Roman"/>
+            </a:endParaRPr>
+          </a:p>
+        </p:txBody>
+      </p:sp>
+      <p:sp>
+        <p:nvSpPr>
+          <p:cNvPr id="87" name=""/>
+          <p:cNvSpPr txBox="1"/>
+          <p:nvPr/>
+        </p:nvSpPr>
+        <p:spPr>
+          <a:xfrm>
+            <a:off x="685800" y="1371600"/>
+            <a:ext cx="8915400" cy="3516840"/>
+          </a:xfrm>
+          <a:prstGeom prst="rect">
+            <a:avLst/>
+          </a:prstGeom>
+          <a:noFill/>
+          <a:ln w="0">
+            <a:noFill/>
+          </a:ln>
+        </p:spPr>
+        <p:txBody>
+          <a:bodyPr lIns="90000" rIns="90000" tIns="45000" bIns="45000" anchor="t">
+            <a:noAutofit/>
+          </a:bodyPr>
+          <a:p>
+            <a:pPr marL="216000" indent="-216000">
+              <a:lnSpc>
+                <a:spcPct val="100000"/>
+              </a:lnSpc>
+              <a:buClr>
+                <a:srgbClr val="000000"/>
+              </a:buClr>
+              <a:buSzPct val="45000"/>
+              <a:buFont typeface="Wingdings" charset="2"/>
+              <a:buChar char=""/>
+            </a:pPr>
+            <a:endParaRPr b="0" lang="en-US" sz="1000" spc="-1" strike="noStrike">
+              <a:latin typeface="Arial"/>
+            </a:endParaRPr>
+          </a:p>
+          <a:p>
+            <a:pPr marL="216000" indent="-216000">
+              <a:lnSpc>
+                <a:spcPct val="100000"/>
+              </a:lnSpc>
+              <a:buClr>
+                <a:srgbClr val="000000"/>
+              </a:buClr>
+              <a:buSzPct val="45000"/>
+              <a:buFont typeface="Wingdings" charset="2"/>
+              <a:buChar char=""/>
+            </a:pPr>
+            <a:r>
+              <a:rPr b="0" lang="en-US" sz="2000" spc="-1" strike="noStrike">
+                <a:latin typeface="Arial"/>
+              </a:rPr>
+              <a:t>K-Nearest Neighbors (KNN)</a:t>
+            </a:r>
+            <a:endParaRPr b="0" lang="en-US" sz="2000" spc="-1" strike="noStrike">
+              <a:latin typeface="Arial"/>
+            </a:endParaRPr>
+          </a:p>
+          <a:p>
+            <a:pPr marL="216000" indent="-216000">
+              <a:lnSpc>
+                <a:spcPct val="100000"/>
+              </a:lnSpc>
+              <a:buClr>
+                <a:srgbClr val="000000"/>
+              </a:buClr>
+              <a:buSzPct val="45000"/>
+              <a:buFont typeface="Wingdings" charset="2"/>
+              <a:buChar char=""/>
+            </a:pPr>
+            <a:r>
+              <a:rPr b="0" lang="en-US" sz="2000" spc="-1" strike="noStrike">
+                <a:latin typeface="Arial"/>
+              </a:rPr>
+              <a:t>Support Vector Machine (SVM)</a:t>
+            </a:r>
+            <a:endParaRPr b="0" lang="en-US" sz="2000" spc="-1" strike="noStrike">
+              <a:latin typeface="Arial"/>
+            </a:endParaRPr>
+          </a:p>
+          <a:p>
+            <a:pPr marL="216000" indent="-216000">
+              <a:lnSpc>
+                <a:spcPct val="100000"/>
+              </a:lnSpc>
+              <a:buClr>
+                <a:srgbClr val="000000"/>
+              </a:buClr>
+              <a:buSzPct val="45000"/>
+              <a:buFont typeface="Wingdings" charset="2"/>
+              <a:buChar char=""/>
+            </a:pPr>
+            <a:r>
+              <a:rPr b="0" lang="en-US" sz="2000" spc="-1" strike="noStrike">
+                <a:latin typeface="Arial"/>
+              </a:rPr>
+              <a:t>Gaussian Naive Bayes (NB) – not covered in the course</a:t>
+            </a:r>
+            <a:endParaRPr b="0" lang="en-US" sz="2000" spc="-1" strike="noStrike">
+              <a:latin typeface="Arial"/>
+            </a:endParaRPr>
+          </a:p>
+          <a:p>
+            <a:pPr marL="216000" indent="-216000">
+              <a:lnSpc>
+                <a:spcPct val="100000"/>
+              </a:lnSpc>
+              <a:buClr>
+                <a:srgbClr val="000000"/>
+              </a:buClr>
+              <a:buSzPct val="45000"/>
+              <a:buFont typeface="Wingdings" charset="2"/>
+              <a:buChar char=""/>
+            </a:pPr>
+            <a:r>
+              <a:rPr b="0" lang="en-US" sz="2000" spc="-1" strike="noStrike">
+                <a:latin typeface="Arial"/>
+              </a:rPr>
+              <a:t>Random Forest Ensemble (RF)</a:t>
+            </a:r>
+            <a:endParaRPr b="0" lang="en-US" sz="2000" spc="-1" strike="noStrike">
+              <a:latin typeface="Arial"/>
+            </a:endParaRPr>
+          </a:p>
+          <a:p>
+            <a:pPr marL="216000" indent="-216000">
+              <a:lnSpc>
+                <a:spcPct val="100000"/>
+              </a:lnSpc>
+              <a:buClr>
+                <a:srgbClr val="000000"/>
+              </a:buClr>
+              <a:buSzPct val="45000"/>
+              <a:buFont typeface="Wingdings" charset="2"/>
+              <a:buChar char=""/>
+            </a:pPr>
+            <a:endParaRPr b="0" lang="en-US" sz="2000" spc="-1" strike="noStrike">
+              <a:latin typeface="Arial"/>
+            </a:endParaRPr>
+          </a:p>
+          <a:p>
+            <a:pPr lvl="1" marL="432000" indent="-216000">
+              <a:lnSpc>
+                <a:spcPct val="100000"/>
+              </a:lnSpc>
+              <a:buClr>
+                <a:srgbClr val="000000"/>
+              </a:buClr>
+              <a:buSzPct val="45000"/>
+              <a:buFont typeface="Wingdings" charset="2"/>
+              <a:buChar char=""/>
+            </a:pPr>
+            <a:endParaRPr b="0" lang="en-US" sz="1600" spc="-1" strike="noStrike">
+              <a:latin typeface="Arial"/>
+            </a:endParaRPr>
+          </a:p>
+          <a:p>
+            <a:pPr lvl="1" marL="432000" indent="-216000">
+              <a:lnSpc>
+                <a:spcPct val="100000"/>
+              </a:lnSpc>
+              <a:buClr>
+                <a:srgbClr val="000000"/>
+              </a:buClr>
+              <a:buSzPct val="45000"/>
+              <a:buFont typeface="Wingdings" charset="2"/>
+              <a:buChar char=""/>
+            </a:pPr>
+            <a:endParaRPr b="0" lang="en-US" sz="1600" spc="-1" strike="noStrike">
+              <a:latin typeface="Arial"/>
+            </a:endParaRPr>
+          </a:p>
+          <a:p>
+            <a:pPr marL="216000" indent="-216000">
+              <a:buClr>
+                <a:srgbClr val="000000"/>
+              </a:buClr>
+              <a:buSzPct val="45000"/>
+              <a:buFont typeface="Wingdings" charset="2"/>
+              <a:buChar char=""/>
+            </a:pPr>
+            <a:r>
+              <a:rPr b="0" lang="en-US" sz="2000" spc="-1" strike="noStrike">
+                <a:latin typeface="Arial"/>
+              </a:rPr>
+              <a:t>Manual Tuning to determine parameter ranges</a:t>
+            </a:r>
+            <a:endParaRPr b="0" lang="en-US" sz="2000" spc="-1" strike="noStrike">
+              <a:latin typeface="Arial"/>
+            </a:endParaRPr>
+          </a:p>
+          <a:p>
+            <a:pPr marL="216000" indent="-216000">
+              <a:buClr>
+                <a:srgbClr val="000000"/>
+              </a:buClr>
+              <a:buSzPct val="45000"/>
+              <a:buFont typeface="Wingdings" charset="2"/>
+              <a:buChar char=""/>
+            </a:pPr>
+            <a:r>
+              <a:rPr b="0" lang="en-US" sz="2000" spc="-1" strike="noStrike">
+                <a:latin typeface="Arial"/>
+              </a:rPr>
+              <a:t>Test/train split of 50% to ensure truly unseen data is tested</a:t>
+            </a:r>
+            <a:endParaRPr b="0" lang="en-US" sz="2000" spc="-1" strike="noStrike">
+              <a:latin typeface="Arial"/>
+            </a:endParaRPr>
+          </a:p>
+          <a:p>
+            <a:pPr marL="216000" indent="-216000">
+              <a:buClr>
+                <a:srgbClr val="000000"/>
+              </a:buClr>
+              <a:buSzPct val="45000"/>
+              <a:buFont typeface="Wingdings" charset="2"/>
+              <a:buChar char=""/>
+            </a:pPr>
+            <a:r>
+              <a:rPr b="0" lang="en-US" sz="2000" spc="-1" strike="noStrike">
+                <a:latin typeface="Arial"/>
+              </a:rPr>
+              <a:t>Automated Tuning using Grid-Search, with K-Folds Cross-Validation</a:t>
+            </a:r>
+            <a:endParaRPr b="0" lang="en-US" sz="2000" spc="-1" strike="noStrike">
+              <a:latin typeface="Arial"/>
+            </a:endParaRPr>
+          </a:p>
+          <a:p>
+            <a:pPr marL="216000" indent="-216000">
+              <a:buClr>
+                <a:srgbClr val="000000"/>
+              </a:buClr>
+              <a:buSzPct val="45000"/>
+              <a:buFont typeface="Wingdings" charset="2"/>
+              <a:buChar char=""/>
+            </a:pPr>
+            <a:r>
+              <a:rPr b="0" lang="en-US" sz="2000" spc="-1" strike="noStrike">
+                <a:latin typeface="Arial"/>
+              </a:rPr>
+              <a:t>Scoring using Accuracy (data set is balanced)</a:t>
+            </a:r>
+            <a:endParaRPr b="0" lang="en-US" sz="2000" spc="-1" strike="noStrike">
+              <a:latin typeface="Arial"/>
+            </a:endParaRPr>
+          </a:p>
+          <a:p>
+            <a:pPr marL="216000" indent="-216000">
+              <a:buClr>
+                <a:srgbClr val="000000"/>
+              </a:buClr>
+              <a:buSzPct val="45000"/>
+              <a:buFont typeface="Wingdings" charset="2"/>
+              <a:buChar char=""/>
+            </a:pPr>
+            <a:r>
+              <a:rPr b="0" lang="en-US" sz="2000" spc="-1" strike="noStrike">
+                <a:latin typeface="Arial"/>
+              </a:rPr>
+              <a:t>Confusion Matrix to identify FP and FN rates if asymmetrical</a:t>
+            </a:r>
+            <a:endParaRPr b="0" lang="en-US" sz="2000" spc="-1" strike="noStrike">
+              <a:latin typeface="Arial"/>
+            </a:endParaRPr>
+          </a:p>
+        </p:txBody>
+      </p:sp>
+      <p:sp>
+        <p:nvSpPr>
+          <p:cNvPr id="88" name=""/>
+          <p:cNvSpPr txBox="1"/>
+          <p:nvPr/>
+        </p:nvSpPr>
+        <p:spPr>
+          <a:xfrm>
+            <a:off x="457200" y="1140480"/>
+            <a:ext cx="8915400" cy="425160"/>
+          </a:xfrm>
+          <a:prstGeom prst="rect">
+            <a:avLst/>
+          </a:prstGeom>
+          <a:noFill/>
+          <a:ln w="0">
+            <a:noFill/>
+          </a:ln>
+        </p:spPr>
+        <p:txBody>
+          <a:bodyPr lIns="90000" rIns="90000" tIns="45000" bIns="45000" anchor="t">
+            <a:noAutofit/>
+          </a:bodyPr>
+          <a:p>
+            <a:pPr marL="216000" indent="-216000">
+              <a:lnSpc>
+                <a:spcPct val="100000"/>
+              </a:lnSpc>
+              <a:buClr>
+                <a:srgbClr val="000000"/>
+              </a:buClr>
+              <a:buSzPct val="45000"/>
+              <a:buFont typeface="Wingdings" charset="2"/>
+              <a:buChar char=""/>
+            </a:pPr>
+            <a:r>
+              <a:rPr b="1" lang="en-US" sz="2000" spc="-1" strike="noStrike">
+                <a:latin typeface="Arial"/>
+              </a:rPr>
+              <a:t>Multiple Models Evaluated</a:t>
+            </a:r>
+            <a:endParaRPr b="1" lang="en-US" sz="2000" spc="-1" strike="noStrike">
+              <a:latin typeface="Arial"/>
+            </a:endParaRPr>
+          </a:p>
+        </p:txBody>
+      </p:sp>
+      <p:sp>
+        <p:nvSpPr>
+          <p:cNvPr id="89" name=""/>
+          <p:cNvSpPr txBox="1"/>
+          <p:nvPr/>
+        </p:nvSpPr>
+        <p:spPr>
+          <a:xfrm>
+            <a:off x="457200" y="3003840"/>
+            <a:ext cx="8915400" cy="425160"/>
+          </a:xfrm>
+          <a:prstGeom prst="rect">
+            <a:avLst/>
+          </a:prstGeom>
+          <a:noFill/>
+          <a:ln w="0">
+            <a:noFill/>
+          </a:ln>
+        </p:spPr>
+        <p:txBody>
+          <a:bodyPr lIns="90000" rIns="90000" tIns="45000" bIns="45000" anchor="t">
+            <a:noAutofit/>
+          </a:bodyPr>
+          <a:p>
+            <a:pPr marL="216000" indent="-216000">
+              <a:lnSpc>
+                <a:spcPct val="100000"/>
+              </a:lnSpc>
+              <a:buClr>
+                <a:srgbClr val="000000"/>
+              </a:buClr>
+              <a:buSzPct val="45000"/>
+              <a:buFont typeface="Wingdings" charset="2"/>
+              <a:buChar char=""/>
+            </a:pPr>
+            <a:r>
+              <a:rPr b="1" lang="en-US" sz="2000" spc="-1" strike="noStrike">
+                <a:latin typeface="Arial"/>
+              </a:rPr>
+              <a:t>Methods to improve robustness</a:t>
+            </a:r>
+            <a:endParaRPr b="1" lang="en-US" sz="2000" spc="-1" strike="noStrike">
+              <a:latin typeface="Arial"/>
+            </a:endParaRPr>
+          </a:p>
+        </p:txBody>
+      </p:sp>
+    </p:spTree>
+  </p:cSld>
+  <mc:AlternateContent>
+    <mc:Choice Requires="p14">
+      <p:transition spd="slow" p14:dur="2000"/>
+    </mc:Choice>
+    <mc:Fallback>
+      <p:transition spd="slow"/>
+    </mc:Fallback>
+  </mc:AlternateContent>
+</p:sld>
+</file>
+
+<file path=ppt/slides/slide8.xml><?xml version="1.0" encoding="utf-8"?>
+<p:sld xmlns:a="http://schemas.openxmlformats.org/drawingml/2006/main" xmlns:p="http://schemas.openxmlformats.org/presentationml/2006/main" xmlns:r="http://schemas.openxmlformats.org/officeDocument/2006/relationships" xmlns:p14="http://schemas.microsoft.com/office/powerpoint/2010/main" xmlns:p15="http://schemas.microsoft.com/office/powerpoint/2012/main" xmlns:mc="http://schemas.openxmlformats.org/markup-compatibility/2006">
+  <p:cSld>
+    <p:spTree>
+      <p:nvGrpSpPr>
+        <p:cNvPr id="1" name=""/>
+        <p:cNvGrpSpPr/>
+        <p:nvPr/>
+      </p:nvGrpSpPr>
+      <p:grpSpPr>
+        <a:xfrm>
+          <a:off x="0" y="0"/>
+          <a:ext cx="0" cy="0"/>
+          <a:chOff x="0" y="0"/>
+          <a:chExt cx="0" cy="0"/>
+        </a:xfrm>
+      </p:grpSpPr>
+      <p:sp>
+        <p:nvSpPr>
+          <p:cNvPr id="90" name="PlaceHolder 1"/>
+          <p:cNvSpPr>
+            <a:spLocks noGrp="1"/>
+          </p:cNvSpPr>
+          <p:nvPr>
+            <p:ph type="title"/>
+          </p:nvPr>
+        </p:nvSpPr>
+        <p:spPr>
+          <a:xfrm>
+            <a:off x="457200" y="228600"/>
+            <a:ext cx="9071640" cy="946440"/>
+          </a:xfrm>
+          <a:prstGeom prst="rect">
+            <a:avLst/>
+          </a:prstGeom>
+          <a:noFill/>
+          <a:ln w="0">
+            <a:noFill/>
+          </a:ln>
+        </p:spPr>
+        <p:txBody>
+          <a:bodyPr lIns="0" rIns="0" tIns="0" bIns="0" anchor="ctr">
+            <a:noAutofit/>
+          </a:bodyPr>
+          <a:p>
+            <a:pPr algn="ctr">
+              <a:buNone/>
+            </a:pPr>
+            <a:r>
+              <a:rPr b="0" lang="en-US" sz="4000" spc="-1" strike="noStrike">
+                <a:latin typeface="Arial"/>
+              </a:rPr>
+              <a:t>Modeling and Training (2) </a:t>
+            </a:r>
+            <a:endParaRPr b="0" lang="en-US" sz="4000" spc="-1" strike="noStrike">
+              <a:latin typeface="Arial"/>
+            </a:endParaRPr>
+          </a:p>
+        </p:txBody>
+      </p:sp>
+      <p:pic>
+        <p:nvPicPr>
+          <p:cNvPr id="91" name="" descr=""/>
+          <p:cNvPicPr/>
+          <p:nvPr/>
+        </p:nvPicPr>
+        <p:blipFill>
+          <a:blip r:embed="rId1"/>
+          <a:stretch/>
+        </p:blipFill>
+        <p:spPr>
+          <a:xfrm>
+            <a:off x="142560" y="5086800"/>
+            <a:ext cx="2600640" cy="399600"/>
+          </a:xfrm>
+          <a:prstGeom prst="rect">
+            <a:avLst/>
+          </a:prstGeom>
+          <a:ln w="0">
+            <a:noFill/>
+          </a:ln>
+        </p:spPr>
+      </p:pic>
+      <p:sp>
+        <p:nvSpPr>
+          <p:cNvPr id="92" name=""/>
+          <p:cNvSpPr txBox="1"/>
+          <p:nvPr/>
+        </p:nvSpPr>
+        <p:spPr>
+          <a:xfrm>
+            <a:off x="8686800" y="5257800"/>
+            <a:ext cx="1317960" cy="336600"/>
+          </a:xfrm>
+          <a:prstGeom prst="rect">
+            <a:avLst/>
+          </a:prstGeom>
+          <a:noFill/>
+          <a:ln w="0">
+            <a:noFill/>
+          </a:ln>
+        </p:spPr>
+        <p:txBody>
+          <a:bodyPr lIns="90000" rIns="90000" tIns="45000" bIns="45000" anchor="t">
+            <a:noAutofit/>
+          </a:bodyPr>
+          <a:p>
+            <a:pPr algn="r">
+              <a:buNone/>
+            </a:pPr>
+            <a:fld id="{DC05CFED-38BF-4AF1-AAB5-89D9D21DE6BC}" type="slidenum">
+              <a:rPr b="0" lang="en-US" sz="1600" spc="-1" strike="noStrike">
+                <a:latin typeface="Times New Roman"/>
+              </a:rPr>
+              <a:t>&lt;number&gt;</a:t>
+            </a:fld>
+            <a:endParaRPr b="0" lang="en-US" sz="1600" spc="-1" strike="noStrike">
+              <a:latin typeface="Times New Roman"/>
+            </a:endParaRPr>
+          </a:p>
+        </p:txBody>
+      </p:sp>
+      <p:pic>
+        <p:nvPicPr>
+          <p:cNvPr id="93" name="" descr=""/>
+          <p:cNvPicPr/>
+          <p:nvPr/>
+        </p:nvPicPr>
+        <p:blipFill>
+          <a:blip r:embed="rId2"/>
+          <a:stretch/>
+        </p:blipFill>
+        <p:spPr>
+          <a:xfrm>
+            <a:off x="1697400" y="1769400"/>
+            <a:ext cx="6629400" cy="2162880"/>
+          </a:xfrm>
+          <a:prstGeom prst="rect">
+            <a:avLst/>
+          </a:prstGeom>
+          <a:ln w="0">
+            <a:noFill/>
+          </a:ln>
+        </p:spPr>
+      </p:pic>
+      <p:pic>
+        <p:nvPicPr>
+          <p:cNvPr id="94" name="" descr=""/>
+          <p:cNvPicPr/>
+          <p:nvPr/>
+        </p:nvPicPr>
+        <p:blipFill>
+          <a:blip r:embed="rId3"/>
+          <a:stretch/>
+        </p:blipFill>
+        <p:spPr>
+          <a:xfrm>
+            <a:off x="8214120" y="2036160"/>
+            <a:ext cx="569880" cy="559080"/>
+          </a:xfrm>
+          <a:prstGeom prst="rect">
+            <a:avLst/>
+          </a:prstGeom>
+          <a:ln w="0">
+            <a:noFill/>
+          </a:ln>
+        </p:spPr>
+      </p:pic>
+    </p:spTree>
+  </p:cSld>
+  <mc:AlternateContent>
+    <mc:Choice Requires="p14">
+      <p:transition spd="slow" p14:dur="2000"/>
+    </mc:Choice>
+    <mc:Fallback>
+      <p:transition spd="slow"/>
+    </mc:Fallback>
+  </mc:AlternateContent>
+</p:sld>
+</file>
+
+<file path=ppt/slides/slide9.xml><?xml version="1.0" encoding="utf-8"?>
+<p:sld xmlns:a="http://schemas.openxmlformats.org/drawingml/2006/main" xmlns:p="http://schemas.openxmlformats.org/presentationml/2006/main" xmlns:r="http://schemas.openxmlformats.org/officeDocument/2006/relationships" xmlns:p14="http://schemas.microsoft.com/office/powerpoint/2010/main" xmlns:p15="http://schemas.microsoft.com/office/powerpoint/2012/main" xmlns:mc="http://schemas.openxmlformats.org/markup-compatibility/2006">
+  <p:cSld>
+    <p:spTree>
+      <p:nvGrpSpPr>
+        <p:cNvPr id="1" name=""/>
+        <p:cNvGrpSpPr/>
+        <p:nvPr/>
+      </p:nvGrpSpPr>
+      <p:grpSpPr>
+        <a:xfrm>
+          <a:off x="0" y="0"/>
+          <a:ext cx="0" cy="0"/>
+          <a:chOff x="0" y="0"/>
+          <a:chExt cx="0" cy="0"/>
+        </a:xfrm>
+      </p:grpSpPr>
+      <p:sp>
+        <p:nvSpPr>
+          <p:cNvPr id="95" name="PlaceHolder 1"/>
+          <p:cNvSpPr>
+            <a:spLocks noGrp="1"/>
+          </p:cNvSpPr>
+          <p:nvPr>
+            <p:ph type="title"/>
+          </p:nvPr>
+        </p:nvSpPr>
+        <p:spPr>
+          <a:xfrm>
+            <a:off x="457200" y="228600"/>
+            <a:ext cx="9071640" cy="946440"/>
+          </a:xfrm>
+          <a:prstGeom prst="rect">
+            <a:avLst/>
+          </a:prstGeom>
+          <a:noFill/>
+          <a:ln w="0">
+            <a:noFill/>
+          </a:ln>
+        </p:spPr>
+        <p:txBody>
+          <a:bodyPr lIns="0" rIns="0" tIns="0" bIns="0" anchor="ctr">
+            <a:noAutofit/>
+          </a:bodyPr>
+          <a:p>
+            <a:pPr algn="ctr">
+              <a:buNone/>
+            </a:pPr>
+            <a:r>
+              <a:rPr b="0" lang="en-US" sz="4000" spc="-1" strike="noStrike">
+                <a:latin typeface="Arial"/>
+              </a:rPr>
+              <a:t>Results of SVM Model (Test Data)</a:t>
+            </a:r>
+            <a:endParaRPr b="0" lang="en-US" sz="4000" spc="-1" strike="noStrike">
+              <a:latin typeface="Arial"/>
+            </a:endParaRPr>
+          </a:p>
+        </p:txBody>
+      </p:sp>
+      <p:pic>
+        <p:nvPicPr>
+          <p:cNvPr id="96" name="" descr=""/>
+          <p:cNvPicPr/>
+          <p:nvPr/>
+        </p:nvPicPr>
+        <p:blipFill>
+          <a:blip r:embed="rId1"/>
+          <a:stretch/>
+        </p:blipFill>
+        <p:spPr>
+          <a:xfrm>
+            <a:off x="142560" y="5086800"/>
+            <a:ext cx="2600640" cy="399600"/>
+          </a:xfrm>
+          <a:prstGeom prst="rect">
+            <a:avLst/>
+          </a:prstGeom>
+          <a:ln w="0">
+            <a:noFill/>
+          </a:ln>
+        </p:spPr>
+      </p:pic>
+      <p:sp>
+        <p:nvSpPr>
+          <p:cNvPr id="97" name=""/>
+          <p:cNvSpPr txBox="1"/>
+          <p:nvPr/>
+        </p:nvSpPr>
+        <p:spPr>
+          <a:xfrm>
+            <a:off x="8686800" y="5257800"/>
+            <a:ext cx="1317960" cy="336600"/>
+          </a:xfrm>
+          <a:prstGeom prst="rect">
+            <a:avLst/>
+          </a:prstGeom>
+          <a:noFill/>
+          <a:ln w="0">
+            <a:noFill/>
+          </a:ln>
+        </p:spPr>
+        <p:txBody>
+          <a:bodyPr lIns="90000" rIns="90000" tIns="45000" bIns="45000" anchor="t">
+            <a:noAutofit/>
+          </a:bodyPr>
+          <a:p>
+            <a:pPr algn="r">
+              <a:buNone/>
+            </a:pPr>
+            <a:fld id="{34DECD5F-5CA7-45B7-8244-E6537CA81156}" type="slidenum">
+              <a:rPr b="0" lang="en-US" sz="1600" spc="-1" strike="noStrike">
+                <a:latin typeface="Times New Roman"/>
+              </a:rPr>
+              <a:t>&lt;number&gt;</a:t>
+            </a:fld>
+            <a:endParaRPr b="0" lang="en-US" sz="1600" spc="-1" strike="noStrike">
+              <a:latin typeface="Times New Roman"/>
+            </a:endParaRPr>
+          </a:p>
+        </p:txBody>
+      </p:sp>
+      <p:pic>
+        <p:nvPicPr>
+          <p:cNvPr id="98" name="" descr=""/>
+          <p:cNvPicPr/>
+          <p:nvPr/>
+        </p:nvPicPr>
+        <p:blipFill>
+          <a:blip r:embed="rId2"/>
+          <a:stretch/>
+        </p:blipFill>
+        <p:spPr>
+          <a:xfrm>
+            <a:off x="718200" y="1143000"/>
+            <a:ext cx="2035800" cy="1848240"/>
+          </a:xfrm>
+          <a:prstGeom prst="rect">
+            <a:avLst/>
+          </a:prstGeom>
+          <a:ln w="0">
+            <a:noFill/>
+          </a:ln>
+        </p:spPr>
+      </p:pic>
+      <p:pic>
+        <p:nvPicPr>
+          <p:cNvPr id="99" name="" descr=""/>
+          <p:cNvPicPr/>
+          <p:nvPr/>
+        </p:nvPicPr>
+        <p:blipFill>
+          <a:blip r:embed="rId3"/>
+          <a:stretch/>
+        </p:blipFill>
+        <p:spPr>
+          <a:xfrm>
+            <a:off x="2946600" y="1188360"/>
+            <a:ext cx="2057400" cy="1868040"/>
+          </a:xfrm>
+          <a:prstGeom prst="rect">
+            <a:avLst/>
+          </a:prstGeom>
+          <a:ln w="0">
+            <a:noFill/>
+          </a:ln>
+        </p:spPr>
+      </p:pic>
+      <p:pic>
+        <p:nvPicPr>
+          <p:cNvPr id="100" name="" descr=""/>
+          <p:cNvPicPr/>
+          <p:nvPr/>
+        </p:nvPicPr>
+        <p:blipFill>
+          <a:blip r:embed="rId4"/>
+          <a:stretch/>
+        </p:blipFill>
+        <p:spPr>
+          <a:xfrm>
+            <a:off x="696600" y="3187800"/>
+            <a:ext cx="2014200" cy="1828800"/>
+          </a:xfrm>
+          <a:prstGeom prst="rect">
+            <a:avLst/>
+          </a:prstGeom>
+          <a:ln w="0">
+            <a:noFill/>
+          </a:ln>
+        </p:spPr>
+      </p:pic>
+      <p:pic>
+        <p:nvPicPr>
+          <p:cNvPr id="101" name="" descr=""/>
+          <p:cNvPicPr/>
+          <p:nvPr/>
+        </p:nvPicPr>
+        <p:blipFill>
+          <a:blip r:embed="rId5"/>
+          <a:stretch/>
+        </p:blipFill>
+        <p:spPr>
+          <a:xfrm>
+            <a:off x="2982600" y="3161160"/>
+            <a:ext cx="2057400" cy="1868040"/>
+          </a:xfrm>
+          <a:prstGeom prst="rect">
+            <a:avLst/>
+          </a:prstGeom>
+          <a:ln w="0">
+            <a:noFill/>
+          </a:ln>
+        </p:spPr>
+      </p:pic>
+      <p:pic>
+        <p:nvPicPr>
+          <p:cNvPr id="102" name="" descr=""/>
+          <p:cNvPicPr/>
+          <p:nvPr/>
+        </p:nvPicPr>
+        <p:blipFill>
+          <a:blip r:embed="rId6"/>
+          <a:stretch/>
+        </p:blipFill>
+        <p:spPr>
+          <a:xfrm>
+            <a:off x="5268600" y="1209960"/>
+            <a:ext cx="2030400" cy="1877040"/>
+          </a:xfrm>
+          <a:prstGeom prst="rect">
+            <a:avLst/>
+          </a:prstGeom>
+          <a:ln w="0">
+            <a:noFill/>
+          </a:ln>
+        </p:spPr>
+      </p:pic>
+      <p:pic>
+        <p:nvPicPr>
+          <p:cNvPr id="103" name="" descr=""/>
+          <p:cNvPicPr/>
+          <p:nvPr/>
+        </p:nvPicPr>
+        <p:blipFill>
+          <a:blip r:embed="rId7"/>
+          <a:stretch/>
+        </p:blipFill>
+        <p:spPr>
+          <a:xfrm>
+            <a:off x="5268600" y="3200400"/>
+            <a:ext cx="1978200" cy="1828800"/>
+          </a:xfrm>
+          <a:prstGeom prst="rect">
+            <a:avLst/>
+          </a:prstGeom>
+          <a:ln w="0">
+            <a:noFill/>
+          </a:ln>
+        </p:spPr>
+      </p:pic>
+      <p:pic>
+        <p:nvPicPr>
+          <p:cNvPr id="104" name="" descr=""/>
+          <p:cNvPicPr/>
+          <p:nvPr/>
+        </p:nvPicPr>
+        <p:blipFill>
+          <a:blip r:embed="rId8"/>
+          <a:stretch/>
+        </p:blipFill>
+        <p:spPr>
+          <a:xfrm>
+            <a:off x="7554600" y="3127320"/>
+            <a:ext cx="2057400" cy="1901880"/>
+          </a:xfrm>
+          <a:prstGeom prst="rect">
+            <a:avLst/>
+          </a:prstGeom>
+          <a:ln w="0">
+            <a:noFill/>
+          </a:ln>
+        </p:spPr>
+      </p:pic>
+      <p:pic>
+        <p:nvPicPr>
+          <p:cNvPr id="105" name="" descr=""/>
+          <p:cNvPicPr/>
+          <p:nvPr/>
+        </p:nvPicPr>
+        <p:blipFill>
+          <a:blip r:embed="rId9"/>
+          <a:stretch/>
+        </p:blipFill>
+        <p:spPr>
+          <a:xfrm>
+            <a:off x="7633800" y="1143000"/>
+            <a:ext cx="1978200" cy="1828800"/>
+          </a:xfrm>
+          <a:prstGeom prst="rect">
+            <a:avLst/>
+          </a:prstGeom>
+          <a:ln w="0">
+            <a:noFill/>
+          </a:ln>
+        </p:spPr>
+      </p:pic>
+      <p:pic>
+        <p:nvPicPr>
+          <p:cNvPr id="106" name="" descr=""/>
+          <p:cNvPicPr/>
+          <p:nvPr/>
+        </p:nvPicPr>
+        <p:blipFill>
+          <a:blip r:embed="rId10"/>
+          <a:stretch/>
+        </p:blipFill>
+        <p:spPr>
+          <a:xfrm>
+            <a:off x="2184120" y="2432160"/>
+            <a:ext cx="569880" cy="559080"/>
+          </a:xfrm>
+          <a:prstGeom prst="rect">
+            <a:avLst/>
+          </a:prstGeom>
+          <a:ln w="0">
+            <a:noFill/>
+          </a:ln>
+        </p:spPr>
+      </p:pic>
+      <p:pic>
+        <p:nvPicPr>
+          <p:cNvPr id="107" name="" descr=""/>
+          <p:cNvPicPr/>
+          <p:nvPr/>
+        </p:nvPicPr>
+        <p:blipFill>
+          <a:blip r:embed="rId11"/>
+          <a:stretch/>
+        </p:blipFill>
+        <p:spPr>
+          <a:xfrm>
+            <a:off x="4434120" y="2497320"/>
+            <a:ext cx="569880" cy="559080"/>
+          </a:xfrm>
+          <a:prstGeom prst="rect">
+            <a:avLst/>
+          </a:prstGeom>
+          <a:ln w="0">
+            <a:noFill/>
+          </a:ln>
+        </p:spPr>
+      </p:pic>
+      <p:pic>
+        <p:nvPicPr>
+          <p:cNvPr id="108" name="" descr=""/>
+          <p:cNvPicPr/>
+          <p:nvPr/>
+        </p:nvPicPr>
+        <p:blipFill>
+          <a:blip r:embed="rId12"/>
+          <a:stretch/>
+        </p:blipFill>
+        <p:spPr>
+          <a:xfrm>
+            <a:off x="6858000" y="2514600"/>
+            <a:ext cx="569880" cy="559080"/>
+          </a:xfrm>
+          <a:prstGeom prst="rect">
+            <a:avLst/>
+          </a:prstGeom>
+          <a:ln w="0">
+            <a:noFill/>
+          </a:ln>
+        </p:spPr>
+      </p:pic>
+      <p:pic>
+        <p:nvPicPr>
+          <p:cNvPr id="109" name="" descr=""/>
+          <p:cNvPicPr/>
+          <p:nvPr/>
+        </p:nvPicPr>
+        <p:blipFill>
+          <a:blip r:embed="rId13"/>
+          <a:stretch/>
+        </p:blipFill>
+        <p:spPr>
+          <a:xfrm>
+            <a:off x="9144000" y="2412720"/>
+            <a:ext cx="569880" cy="559080"/>
+          </a:xfrm>
+          <a:prstGeom prst="rect">
+            <a:avLst/>
+          </a:prstGeom>
+          <a:ln w="0">
+            <a:noFill/>
+          </a:ln>
+        </p:spPr>
+      </p:pic>
+      <p:pic>
+        <p:nvPicPr>
+          <p:cNvPr id="110" name="" descr=""/>
+          <p:cNvPicPr/>
+          <p:nvPr/>
+        </p:nvPicPr>
+        <p:blipFill>
+          <a:blip r:embed="rId14"/>
+          <a:stretch/>
+        </p:blipFill>
+        <p:spPr>
+          <a:xfrm>
+            <a:off x="2140920" y="4457520"/>
+            <a:ext cx="569880" cy="559080"/>
+          </a:xfrm>
+          <a:prstGeom prst="rect">
+            <a:avLst/>
+          </a:prstGeom>
+          <a:ln w="0">
+            <a:noFill/>
+          </a:ln>
+        </p:spPr>
+      </p:pic>
+      <p:pic>
+        <p:nvPicPr>
+          <p:cNvPr id="111" name="" descr=""/>
+          <p:cNvPicPr/>
+          <p:nvPr/>
+        </p:nvPicPr>
+        <p:blipFill>
+          <a:blip r:embed="rId15"/>
+          <a:stretch/>
+        </p:blipFill>
+        <p:spPr>
+          <a:xfrm>
+            <a:off x="4470120" y="4470120"/>
+            <a:ext cx="569880" cy="559080"/>
+          </a:xfrm>
+          <a:prstGeom prst="rect">
+            <a:avLst/>
+          </a:prstGeom>
+          <a:ln w="0">
+            <a:noFill/>
+          </a:ln>
+        </p:spPr>
+      </p:pic>
+      <p:pic>
+        <p:nvPicPr>
+          <p:cNvPr id="112" name="" descr=""/>
+          <p:cNvPicPr/>
+          <p:nvPr/>
+        </p:nvPicPr>
+        <p:blipFill>
+          <a:blip r:embed="rId16"/>
+          <a:stretch/>
+        </p:blipFill>
+        <p:spPr>
+          <a:xfrm>
+            <a:off x="6745320" y="4470120"/>
+            <a:ext cx="569880" cy="559080"/>
+          </a:xfrm>
+          <a:prstGeom prst="rect">
+            <a:avLst/>
+          </a:prstGeom>
+          <a:ln w="0">
+            <a:noFill/>
+          </a:ln>
+        </p:spPr>
+      </p:pic>
+      <p:pic>
+        <p:nvPicPr>
+          <p:cNvPr id="113" name="" descr=""/>
+          <p:cNvPicPr/>
+          <p:nvPr/>
+        </p:nvPicPr>
+        <p:blipFill>
+          <a:blip r:embed="rId17"/>
+          <a:stretch/>
+        </p:blipFill>
+        <p:spPr>
+          <a:xfrm>
+            <a:off x="9144000" y="4470120"/>
+            <a:ext cx="569880" cy="559080"/>
+          </a:xfrm>
+          <a:prstGeom prst="rect">
+            <a:avLst/>
+          </a:prstGeom>
+          <a:ln w="0">
+            <a:noFill/>
+          </a:ln>
+        </p:spPr>
+      </p:pic>
+      <p:sp>
+        <p:nvSpPr>
+          <p:cNvPr id="114" name=""/>
+          <p:cNvSpPr txBox="1"/>
+          <p:nvPr/>
+        </p:nvSpPr>
+        <p:spPr>
+          <a:xfrm>
+            <a:off x="3886200" y="5140080"/>
+            <a:ext cx="3657600" cy="346320"/>
+          </a:xfrm>
+          <a:prstGeom prst="rect">
+            <a:avLst/>
+          </a:prstGeom>
+          <a:noFill/>
+          <a:ln w="0">
+            <a:noFill/>
+          </a:ln>
+        </p:spPr>
+        <p:txBody>
+          <a:bodyPr lIns="90000" rIns="90000" tIns="45000" bIns="45000" anchor="t">
+            <a:noAutofit/>
+          </a:bodyPr>
+          <a:p>
+            <a:pPr algn="ctr">
+              <a:buNone/>
+            </a:pPr>
+            <a:r>
+              <a:rPr b="1" lang="en-US" sz="1800" spc="-1" strike="noStrike">
+                <a:latin typeface="Arial"/>
+              </a:rPr>
+              <a:t>92% Test Accuracy overall</a:t>
+            </a:r>
+            <a:endParaRPr b="1" lang="en-US" sz="1800" spc="-1" strike="noStrike">
               <a:latin typeface="Arial"/>
             </a:endParaRPr>
           </a:p>
